--- a/PresentationRes/2025 2DGP.pptx
+++ b/PresentationRes/2025 2DGP.pptx
@@ -7,6 +7,7 @@
   <p:sldIdLst>
     <p:sldId id="256" r:id="rId2"/>
     <p:sldId id="257" r:id="rId3"/>
+    <p:sldId id="258" r:id="rId4"/>
   </p:sldIdLst>
   <p:sldSz cx="12192000" cy="6858000"/>
   <p:notesSz cx="6858000" cy="9144000"/>
@@ -105,6 +106,11 @@
       </a:defRPr>
     </a:lvl9pPr>
   </p:defaultTextStyle>
+  <p:extLst>
+    <p:ext uri="{EFAFB233-063F-42B5-8137-9DF3F51BA10A}">
+      <p15:sldGuideLst xmlns:p15="http://schemas.microsoft.com/office/powerpoint/2012/main"/>
+    </p:ext>
+  </p:extLst>
 </p:presentation>
 </file>
 
@@ -3359,39 +3365,52 @@
             <p:ph type="ctrTitle"/>
           </p:nvPr>
         </p:nvSpPr>
-        <p:spPr/>
-        <p:txBody>
-          <a:bodyPr/>
+        <p:spPr>
+          <a:xfrm>
+            <a:off x="1524000" y="1600200"/>
+            <a:ext cx="9144000" cy="2387600"/>
+          </a:xfrm>
+        </p:spPr>
+        <p:txBody>
+          <a:bodyPr>
+            <a:normAutofit fontScale="90000"/>
+          </a:bodyPr>
           <a:lstStyle/>
           <a:p>
             <a:r>
-              <a:rPr lang="en-US" altLang="ja-JP" dirty="0">
+              <a:rPr lang="en-US" altLang="ja-JP" b="1" dirty="0">
                 <a:latin typeface="Noto Sans KR" panose="020B0200000000000000" pitchFamily="50" charset="-127"/>
                 <a:ea typeface="Noto Sans KR" panose="020B0200000000000000" pitchFamily="50" charset="-127"/>
               </a:rPr>
-              <a:t>2025 2DGP</a:t>
+              <a:t>The Fighting</a:t>
             </a:r>
             <a:br>
-              <a:rPr lang="en-US" altLang="ja-JP" dirty="0">
+              <a:rPr lang="en-US" altLang="ja-JP" b="1" dirty="0">
                 <a:latin typeface="Noto Sans KR" panose="020B0200000000000000" pitchFamily="50" charset="-127"/>
                 <a:ea typeface="Noto Sans KR" panose="020B0200000000000000" pitchFamily="50" charset="-127"/>
               </a:rPr>
             </a:br>
-            <a:r>
-              <a:rPr lang="en-US" altLang="ja-JP" dirty="0">
+            <a:br>
+              <a:rPr lang="en-US" altLang="ja-JP" b="1" dirty="0">
+                <a:latin typeface="Noto Sans KR" panose="020B0200000000000000" pitchFamily="50" charset="-127"/>
+                <a:ea typeface="Noto Sans KR" panose="020B0200000000000000" pitchFamily="50" charset="-127"/>
+              </a:rPr>
+            </a:br>
+            <a:r>
+              <a:rPr lang="en-US" altLang="ja-JP" b="1" dirty="0">
                 <a:latin typeface="Noto Sans KR" panose="020B0200000000000000" pitchFamily="50" charset="-127"/>
                 <a:ea typeface="Noto Sans KR" panose="020B0200000000000000" pitchFamily="50" charset="-127"/>
               </a:rPr>
               <a:t>2</a:t>
             </a:r>
             <a:r>
-              <a:rPr lang="ko-KR" altLang="en-US" dirty="0" err="1">
+              <a:rPr lang="ko-KR" altLang="en-US" b="1" dirty="0" err="1">
                 <a:latin typeface="Noto Sans KR" panose="020B0200000000000000" pitchFamily="50" charset="-127"/>
                 <a:ea typeface="Noto Sans KR" panose="020B0200000000000000" pitchFamily="50" charset="-127"/>
               </a:rPr>
               <a:t>차발표</a:t>
             </a:r>
-            <a:endParaRPr kumimoji="1" lang="ja-JP" altLang="en-US" dirty="0">
+            <a:endParaRPr kumimoji="1" lang="ja-JP" altLang="en-US" b="1" dirty="0">
               <a:latin typeface="Noto Sans KR" panose="020B0200000000000000" pitchFamily="50" charset="-127"/>
               <a:ea typeface="Noto Sans KR" panose="020B0200000000000000" pitchFamily="50" charset="-127"/>
             </a:endParaRPr>
@@ -3416,7 +3435,9 @@
         </p:nvSpPr>
         <p:spPr/>
         <p:txBody>
-          <a:bodyPr/>
+          <a:bodyPr>
+            <a:normAutofit lnSpcReduction="10000"/>
+          </a:bodyPr>
           <a:lstStyle/>
           <a:p>
             <a:endParaRPr lang="en-US" altLang="ja-JP" dirty="0">
@@ -3444,6 +3465,20 @@
                 <a:ea typeface="Noto Sans KR" panose="020B0200000000000000" pitchFamily="50" charset="-127"/>
               </a:rPr>
               <a:t>김형민</a:t>
+            </a:r>
+            <a:endParaRPr lang="en-US" altLang="ko-KR" dirty="0">
+              <a:latin typeface="Noto Sans KR" panose="020B0200000000000000" pitchFamily="50" charset="-127"/>
+              <a:ea typeface="Noto Sans KR" panose="020B0200000000000000" pitchFamily="50" charset="-127"/>
+            </a:endParaRPr>
+          </a:p>
+          <a:p>
+            <a:pPr algn="r"/>
+            <a:r>
+              <a:rPr kumimoji="1" lang="en-US" altLang="ja-JP" dirty="0">
+                <a:latin typeface="Noto Sans KR" panose="020B0200000000000000" pitchFamily="50" charset="-127"/>
+                <a:ea typeface="Noto Sans KR" panose="020B0200000000000000" pitchFamily="50" charset="-127"/>
+              </a:rPr>
+              <a:t>2025 2DGP</a:t>
             </a:r>
             <a:endParaRPr kumimoji="1" lang="ja-JP" altLang="en-US" dirty="0">
               <a:latin typeface="Noto Sans KR" panose="020B0200000000000000" pitchFamily="50" charset="-127"/>
@@ -3498,19 +3533,26 @@
             <p:ph type="title"/>
           </p:nvPr>
         </p:nvSpPr>
-        <p:spPr/>
-        <p:txBody>
-          <a:bodyPr/>
+        <p:spPr>
+          <a:xfrm>
+            <a:off x="0" y="171453"/>
+            <a:ext cx="10515600" cy="395288"/>
+          </a:xfrm>
+        </p:spPr>
+        <p:txBody>
+          <a:bodyPr>
+            <a:normAutofit/>
+          </a:bodyPr>
           <a:lstStyle/>
           <a:p>
             <a:r>
-              <a:rPr lang="ko-KR" altLang="en-US" dirty="0">
+              <a:rPr lang="ko-KR" altLang="en-US" sz="1800" b="1" dirty="0">
                 <a:latin typeface="Noto Sans KR" panose="020B0200000000000000" pitchFamily="50" charset="-127"/>
                 <a:ea typeface="Noto Sans KR" panose="020B0200000000000000" pitchFamily="50" charset="-127"/>
               </a:rPr>
               <a:t>프로젝트 개발 진행 상황</a:t>
             </a:r>
-            <a:endParaRPr kumimoji="1" lang="ja-JP" altLang="en-US" dirty="0">
+            <a:endParaRPr kumimoji="1" lang="ja-JP" altLang="en-US" sz="1800" b="1" dirty="0">
               <a:latin typeface="Noto Sans KR" panose="020B0200000000000000" pitchFamily="50" charset="-127"/>
               <a:ea typeface="Noto Sans KR" panose="020B0200000000000000" pitchFamily="50" charset="-127"/>
             </a:endParaRPr>
@@ -3532,14 +3574,14 @@
           <p:nvPr>
             <p:extLst>
               <p:ext uri="{D42A27DB-BD31-4B8C-83A1-F6EECF244321}">
-                <p14:modId xmlns:p14="http://schemas.microsoft.com/office/powerpoint/2010/main" val="2804294738"/>
+                <p14:modId xmlns:p14="http://schemas.microsoft.com/office/powerpoint/2010/main" val="2487934151"/>
               </p:ext>
             </p:extLst>
           </p:nvPr>
         </p:nvGraphicFramePr>
         <p:xfrm>
-          <a:off x="838200" y="1574799"/>
-          <a:ext cx="10236202" cy="7075488"/>
+          <a:off x="0" y="681038"/>
+          <a:ext cx="12192000" cy="6005509"/>
         </p:xfrm>
         <a:graphic>
           <a:graphicData uri="http://schemas.openxmlformats.org/drawingml/2006/table">
@@ -3548,28 +3590,28 @@
                 <a:tableStyleId>{5C22544A-7EE6-4342-B048-85BDC9FD1C3A}</a:tableStyleId>
               </a:tblPr>
               <a:tblGrid>
-                <a:gridCol w="1222829">
+                <a:gridCol w="1456471">
                   <a:extLst>
                     <a:ext uri="{9D8B030D-6E8A-4147-A177-3AD203B41FA5}">
                       <a16:colId xmlns:a16="http://schemas.microsoft.com/office/drawing/2014/main" val="597542580"/>
                     </a:ext>
                   </a:extLst>
                 </a:gridCol>
-                <a:gridCol w="725714">
+                <a:gridCol w="864374">
                   <a:extLst>
                     <a:ext uri="{9D8B030D-6E8A-4147-A177-3AD203B41FA5}">
                       <a16:colId xmlns:a16="http://schemas.microsoft.com/office/drawing/2014/main" val="2663306883"/>
                     </a:ext>
                   </a:extLst>
                 </a:gridCol>
-                <a:gridCol w="6516914">
+                <a:gridCol w="7762080">
                   <a:extLst>
                     <a:ext uri="{9D8B030D-6E8A-4147-A177-3AD203B41FA5}">
                       <a16:colId xmlns:a16="http://schemas.microsoft.com/office/drawing/2014/main" val="3226578647"/>
                     </a:ext>
                   </a:extLst>
                 </a:gridCol>
-                <a:gridCol w="1770745">
+                <a:gridCol w="2109075">
                   <a:extLst>
                     <a:ext uri="{9D8B030D-6E8A-4147-A177-3AD203B41FA5}">
                       <a16:colId xmlns:a16="http://schemas.microsoft.com/office/drawing/2014/main" val="1195031560"/>
@@ -3577,17 +3619,24 @@
                   </a:extLst>
                 </a:gridCol>
               </a:tblGrid>
-              <a:tr h="491808">
+              <a:tr h="412639">
                 <a:tc>
                   <a:txBody>
                     <a:bodyPr/>
                     <a:lstStyle/>
                     <a:p>
-                      <a:r>
-                        <a:rPr kumimoji="1" lang="ko-KR" altLang="en-US" dirty="0"/>
+                      <a:pPr algn="ctr"/>
+                      <a:r>
+                        <a:rPr kumimoji="1" lang="ko-KR" altLang="en-US" sz="1200" dirty="0">
+                          <a:latin typeface="Noto Sans KR" panose="020B0200000000000000" pitchFamily="50" charset="-127"/>
+                          <a:ea typeface="Noto Sans KR" panose="020B0200000000000000" pitchFamily="50" charset="-127"/>
+                        </a:rPr>
                         <a:t>주차</a:t>
                       </a:r>
-                      <a:endParaRPr kumimoji="1" lang="ja-JP" altLang="en-US" dirty="0"/>
+                      <a:endParaRPr kumimoji="1" lang="ja-JP" altLang="en-US" sz="1200" dirty="0">
+                        <a:latin typeface="Noto Sans KR" panose="020B0200000000000000" pitchFamily="50" charset="-127"/>
+                        <a:ea typeface="Noto Sans KR" panose="020B0200000000000000" pitchFamily="50" charset="-127"/>
+                      </a:endParaRPr>
                     </a:p>
                   </a:txBody>
                   <a:tcPr/>
@@ -3597,7 +3646,18 @@
                     <a:bodyPr/>
                     <a:lstStyle/>
                     <a:p>
-                      <a:endParaRPr kumimoji="1" lang="ja-JP" altLang="en-US" dirty="0"/>
+                      <a:pPr algn="ctr"/>
+                      <a:r>
+                        <a:rPr kumimoji="1" lang="ko-KR" altLang="en-US" sz="1200" dirty="0">
+                          <a:latin typeface="Noto Sans KR" panose="020B0200000000000000" pitchFamily="50" charset="-127"/>
+                          <a:ea typeface="Noto Sans KR" panose="020B0200000000000000" pitchFamily="50" charset="-127"/>
+                        </a:rPr>
+                        <a:t>내용</a:t>
+                      </a:r>
+                      <a:endParaRPr kumimoji="1" lang="ja-JP" altLang="en-US" sz="1200" dirty="0">
+                        <a:latin typeface="Noto Sans KR" panose="020B0200000000000000" pitchFamily="50" charset="-127"/>
+                        <a:ea typeface="Noto Sans KR" panose="020B0200000000000000" pitchFamily="50" charset="-127"/>
+                      </a:endParaRPr>
                     </a:p>
                   </a:txBody>
                   <a:tcPr/>
@@ -3617,11 +3677,18 @@
                     <a:bodyPr/>
                     <a:lstStyle/>
                     <a:p>
-                      <a:r>
-                        <a:rPr kumimoji="1" lang="ko-KR" altLang="en-US" dirty="0"/>
+                      <a:pPr algn="ctr"/>
+                      <a:r>
+                        <a:rPr kumimoji="1" lang="ko-KR" altLang="en-US" sz="1200" dirty="0">
+                          <a:latin typeface="Noto Sans KR" panose="020B0200000000000000" pitchFamily="50" charset="-127"/>
+                          <a:ea typeface="Noto Sans KR" panose="020B0200000000000000" pitchFamily="50" charset="-127"/>
+                        </a:rPr>
                         <a:t>진행률</a:t>
                       </a:r>
-                      <a:endParaRPr kumimoji="1" lang="ja-JP" altLang="en-US" dirty="0"/>
+                      <a:endParaRPr kumimoji="1" lang="ja-JP" altLang="en-US" sz="1200" dirty="0">
+                        <a:latin typeface="Noto Sans KR" panose="020B0200000000000000" pitchFamily="50" charset="-127"/>
+                        <a:ea typeface="Noto Sans KR" panose="020B0200000000000000" pitchFamily="50" charset="-127"/>
+                      </a:endParaRPr>
                     </a:p>
                   </a:txBody>
                   <a:tcPr/>
@@ -3632,21 +3699,38 @@
                   </a:ext>
                 </a:extLst>
               </a:tr>
-              <a:tr h="245904">
+              <a:tr h="310715">
                 <a:tc rowSpan="2">
                   <a:txBody>
                     <a:bodyPr/>
                     <a:lstStyle/>
                     <a:p>
-                      <a:r>
-                        <a:rPr kumimoji="1" lang="en-US" altLang="ja-JP" dirty="0"/>
+                      <a:pPr algn="ctr"/>
+                      <a:endParaRPr kumimoji="1" lang="en-US" altLang="ja-JP" sz="1200" b="1" dirty="0">
+                        <a:latin typeface="Noto Sans KR" panose="020B0200000000000000" pitchFamily="50" charset="-127"/>
+                        <a:ea typeface="Noto Sans KR" panose="020B0200000000000000" pitchFamily="50" charset="-127"/>
+                      </a:endParaRPr>
+                    </a:p>
+                    <a:p>
+                      <a:pPr algn="ctr"/>
+                      <a:r>
+                        <a:rPr kumimoji="1" lang="en-US" altLang="ja-JP" sz="1200" b="1" dirty="0">
+                          <a:latin typeface="Noto Sans KR" panose="020B0200000000000000" pitchFamily="50" charset="-127"/>
+                          <a:ea typeface="Noto Sans KR" panose="020B0200000000000000" pitchFamily="50" charset="-127"/>
+                        </a:rPr>
                         <a:t>1</a:t>
                       </a:r>
                       <a:r>
-                        <a:rPr kumimoji="1" lang="ko-KR" altLang="en-US" dirty="0"/>
+                        <a:rPr kumimoji="1" lang="ko-KR" altLang="en-US" sz="1200" b="1" dirty="0">
+                          <a:latin typeface="Noto Sans KR" panose="020B0200000000000000" pitchFamily="50" charset="-127"/>
+                          <a:ea typeface="Noto Sans KR" panose="020B0200000000000000" pitchFamily="50" charset="-127"/>
+                        </a:rPr>
                         <a:t>주</a:t>
                       </a:r>
-                      <a:endParaRPr kumimoji="1" lang="ja-JP" altLang="en-US" dirty="0"/>
+                      <a:endParaRPr kumimoji="1" lang="ja-JP" altLang="en-US" sz="1200" b="1" dirty="0">
+                        <a:latin typeface="Noto Sans KR" panose="020B0200000000000000" pitchFamily="50" charset="-127"/>
+                        <a:ea typeface="Noto Sans KR" panose="020B0200000000000000" pitchFamily="50" charset="-127"/>
+                      </a:endParaRPr>
                     </a:p>
                   </a:txBody>
                   <a:tcPr/>
@@ -3656,11 +3740,18 @@
                     <a:bodyPr/>
                     <a:lstStyle/>
                     <a:p>
-                      <a:r>
-                        <a:rPr kumimoji="1" lang="ko-KR" altLang="en-US" dirty="0"/>
+                      <a:pPr algn="ctr"/>
+                      <a:r>
+                        <a:rPr kumimoji="1" lang="ko-KR" altLang="en-US" sz="1200" dirty="0">
+                          <a:latin typeface="Noto Sans KR" panose="020B0200000000000000" pitchFamily="50" charset="-127"/>
+                          <a:ea typeface="Noto Sans KR" panose="020B0200000000000000" pitchFamily="50" charset="-127"/>
+                        </a:rPr>
                         <a:t>계획</a:t>
                       </a:r>
-                      <a:endParaRPr kumimoji="1" lang="ja-JP" altLang="en-US" dirty="0"/>
+                      <a:endParaRPr kumimoji="1" lang="ja-JP" altLang="en-US" sz="1200" dirty="0">
+                        <a:latin typeface="Noto Sans KR" panose="020B0200000000000000" pitchFamily="50" charset="-127"/>
+                        <a:ea typeface="Noto Sans KR" panose="020B0200000000000000" pitchFamily="50" charset="-127"/>
+                      </a:endParaRPr>
                     </a:p>
                   </a:txBody>
                   <a:tcPr/>
@@ -3689,91 +3780,91 @@
                       </a:pPr>
                       <a:r>
                         <a:rPr lang="ko-KR" altLang="en-US" sz="1200" b="1" dirty="0">
-                          <a:latin typeface="굴림체" panose="020B0609000101010101" pitchFamily="49" charset="-127"/>
-                          <a:ea typeface="굴림체" panose="020B0609000101010101" pitchFamily="49" charset="-127"/>
+                          <a:latin typeface="Noto Sans KR" panose="020B0200000000000000" pitchFamily="50" charset="-127"/>
+                          <a:ea typeface="Noto Sans KR" panose="020B0200000000000000" pitchFamily="50" charset="-127"/>
                         </a:rPr>
                         <a:t>게임 타이틀</a:t>
                       </a:r>
                       <a:r>
                         <a:rPr lang="en-US" altLang="ko-KR" sz="1200" b="1" dirty="0">
-                          <a:latin typeface="굴림체" panose="020B0609000101010101" pitchFamily="49" charset="-127"/>
-                          <a:ea typeface="굴림체" panose="020B0609000101010101" pitchFamily="49" charset="-127"/>
+                          <a:latin typeface="Noto Sans KR" panose="020B0200000000000000" pitchFamily="50" charset="-127"/>
+                          <a:ea typeface="Noto Sans KR" panose="020B0200000000000000" pitchFamily="50" charset="-127"/>
                         </a:rPr>
                         <a:t>, </a:t>
                       </a:r>
                       <a:r>
                         <a:rPr lang="ko-KR" altLang="en-US" sz="1200" b="1" dirty="0">
-                          <a:latin typeface="굴림체" panose="020B0609000101010101" pitchFamily="49" charset="-127"/>
-                          <a:ea typeface="굴림체" panose="020B0609000101010101" pitchFamily="49" charset="-127"/>
+                          <a:latin typeface="Noto Sans KR" panose="020B0200000000000000" pitchFamily="50" charset="-127"/>
+                          <a:ea typeface="Noto Sans KR" panose="020B0200000000000000" pitchFamily="50" charset="-127"/>
                         </a:rPr>
                         <a:t>캐릭터 선택창</a:t>
                       </a:r>
                       <a:r>
                         <a:rPr lang="en-US" altLang="ko-KR" sz="1200" b="1" dirty="0">
-                          <a:latin typeface="굴림체" panose="020B0609000101010101" pitchFamily="49" charset="-127"/>
-                          <a:ea typeface="굴림체" panose="020B0609000101010101" pitchFamily="49" charset="-127"/>
+                          <a:latin typeface="Noto Sans KR" panose="020B0200000000000000" pitchFamily="50" charset="-127"/>
+                          <a:ea typeface="Noto Sans KR" panose="020B0200000000000000" pitchFamily="50" charset="-127"/>
                         </a:rPr>
                         <a:t>, </a:t>
                       </a:r>
                       <a:r>
                         <a:rPr lang="ko-KR" altLang="en-US" sz="1200" b="1" dirty="0" err="1">
-                          <a:latin typeface="굴림체" panose="020B0609000101010101" pitchFamily="49" charset="-127"/>
-                          <a:ea typeface="굴림체" panose="020B0609000101010101" pitchFamily="49" charset="-127"/>
+                          <a:latin typeface="Noto Sans KR" panose="020B0200000000000000" pitchFamily="50" charset="-127"/>
+                          <a:ea typeface="Noto Sans KR" panose="020B0200000000000000" pitchFamily="50" charset="-127"/>
                         </a:rPr>
                         <a:t>투기장</a:t>
                       </a:r>
                       <a:r>
                         <a:rPr lang="ko-KR" altLang="en-US" sz="1200" b="1" dirty="0">
-                          <a:latin typeface="굴림체" panose="020B0609000101010101" pitchFamily="49" charset="-127"/>
-                          <a:ea typeface="굴림체" panose="020B0609000101010101" pitchFamily="49" charset="-127"/>
+                          <a:latin typeface="Noto Sans KR" panose="020B0200000000000000" pitchFamily="50" charset="-127"/>
+                          <a:ea typeface="Noto Sans KR" panose="020B0200000000000000" pitchFamily="50" charset="-127"/>
                         </a:rPr>
                         <a:t> 구현</a:t>
                       </a:r>
                       <a:r>
                         <a:rPr lang="en-US" altLang="ko-KR" sz="1200" b="1" dirty="0">
-                          <a:latin typeface="굴림체" panose="020B0609000101010101" pitchFamily="49" charset="-127"/>
-                          <a:ea typeface="굴림체" panose="020B0609000101010101" pitchFamily="49" charset="-127"/>
+                          <a:latin typeface="Noto Sans KR" panose="020B0200000000000000" pitchFamily="50" charset="-127"/>
+                          <a:ea typeface="Noto Sans KR" panose="020B0200000000000000" pitchFamily="50" charset="-127"/>
                         </a:rPr>
                         <a:t>, </a:t>
                       </a:r>
                       <a:r>
                         <a:rPr lang="ko-KR" altLang="en-US" sz="1200" b="1" dirty="0">
-                          <a:latin typeface="굴림체" panose="020B0609000101010101" pitchFamily="49" charset="-127"/>
-                          <a:ea typeface="굴림체" panose="020B0609000101010101" pitchFamily="49" charset="-127"/>
+                          <a:latin typeface="Noto Sans KR" panose="020B0200000000000000" pitchFamily="50" charset="-127"/>
+                          <a:ea typeface="Noto Sans KR" panose="020B0200000000000000" pitchFamily="50" charset="-127"/>
                         </a:rPr>
                         <a:t>캐릭터 </a:t>
                       </a:r>
                       <a:r>
                         <a:rPr lang="en-US" altLang="ko-KR" sz="1200" b="1" dirty="0">
-                          <a:latin typeface="굴림체" panose="020B0609000101010101" pitchFamily="49" charset="-127"/>
-                          <a:ea typeface="굴림체" panose="020B0609000101010101" pitchFamily="49" charset="-127"/>
+                          <a:latin typeface="Noto Sans KR" panose="020B0200000000000000" pitchFamily="50" charset="-127"/>
+                          <a:ea typeface="Noto Sans KR" panose="020B0200000000000000" pitchFamily="50" charset="-127"/>
                         </a:rPr>
                         <a:t>idle </a:t>
                       </a:r>
                       <a:r>
                         <a:rPr lang="ko-KR" altLang="en-US" sz="1200" b="1" dirty="0">
-                          <a:latin typeface="굴림체" panose="020B0609000101010101" pitchFamily="49" charset="-127"/>
-                          <a:ea typeface="굴림체" panose="020B0609000101010101" pitchFamily="49" charset="-127"/>
+                          <a:latin typeface="Noto Sans KR" panose="020B0200000000000000" pitchFamily="50" charset="-127"/>
+                          <a:ea typeface="Noto Sans KR" panose="020B0200000000000000" pitchFamily="50" charset="-127"/>
                         </a:rPr>
                         <a:t>및 이동 </a:t>
                       </a:r>
                       <a:r>
                         <a:rPr lang="ko-KR" altLang="en-US" sz="1200" b="1" dirty="0" err="1">
-                          <a:latin typeface="굴림체" panose="020B0609000101010101" pitchFamily="49" charset="-127"/>
-                          <a:ea typeface="굴림체" panose="020B0609000101010101" pitchFamily="49" charset="-127"/>
+                          <a:latin typeface="Noto Sans KR" panose="020B0200000000000000" pitchFamily="50" charset="-127"/>
+                          <a:ea typeface="Noto Sans KR" panose="020B0200000000000000" pitchFamily="50" charset="-127"/>
                         </a:rPr>
                         <a:t>스프라이트</a:t>
                       </a:r>
                       <a:r>
                         <a:rPr lang="ko-KR" altLang="en-US" sz="1200" b="1" dirty="0">
-                          <a:latin typeface="굴림체" panose="020B0609000101010101" pitchFamily="49" charset="-127"/>
-                          <a:ea typeface="굴림체" panose="020B0609000101010101" pitchFamily="49" charset="-127"/>
+                          <a:latin typeface="Noto Sans KR" panose="020B0200000000000000" pitchFamily="50" charset="-127"/>
+                          <a:ea typeface="Noto Sans KR" panose="020B0200000000000000" pitchFamily="50" charset="-127"/>
                         </a:rPr>
                         <a:t> 테스트</a:t>
                       </a:r>
                       <a:endParaRPr lang="en-US" altLang="ko-KR" sz="1200" b="1" dirty="0">
-                        <a:latin typeface="굴림체" panose="020B0609000101010101" pitchFamily="49" charset="-127"/>
-                        <a:ea typeface="굴림체" panose="020B0609000101010101" pitchFamily="49" charset="-127"/>
+                        <a:latin typeface="Noto Sans KR" panose="020B0200000000000000" pitchFamily="50" charset="-127"/>
+                        <a:ea typeface="Noto Sans KR" panose="020B0200000000000000" pitchFamily="50" charset="-127"/>
                       </a:endParaRPr>
                     </a:p>
                   </a:txBody>
@@ -3785,9 +3876,19 @@
                     <a:lstStyle/>
                     <a:p>
                       <a:pPr algn="ctr"/>
-                      <a:r>
-                        <a:rPr kumimoji="1" lang="en-US" altLang="ja-JP" dirty="0"/>
-                        <a:t>100%</a:t>
+                      <a:endParaRPr kumimoji="1" lang="en-US" altLang="ja-JP" sz="1200" b="1" dirty="0">
+                        <a:latin typeface="Noto Sans KR" panose="020B0200000000000000" pitchFamily="50" charset="-127"/>
+                        <a:ea typeface="Noto Sans KR" panose="020B0200000000000000" pitchFamily="50" charset="-127"/>
+                      </a:endParaRPr>
+                    </a:p>
+                    <a:p>
+                      <a:pPr algn="ctr"/>
+                      <a:r>
+                        <a:rPr kumimoji="1" lang="en-US" altLang="ja-JP" sz="1200" b="1" dirty="0">
+                          <a:latin typeface="Noto Sans KR" panose="020B0200000000000000" pitchFamily="50" charset="-127"/>
+                          <a:ea typeface="Noto Sans KR" panose="020B0200000000000000" pitchFamily="50" charset="-127"/>
+                        </a:rPr>
+                        <a:t>90%</a:t>
                       </a:r>
                     </a:p>
                   </a:txBody>
@@ -3799,7 +3900,7 @@
                   </a:ext>
                 </a:extLst>
               </a:tr>
-              <a:tr h="245904">
+              <a:tr h="310715">
                 <a:tc vMerge="1">
                   <a:txBody>
                     <a:bodyPr/>
@@ -3815,11 +3916,18 @@
                     <a:bodyPr/>
                     <a:lstStyle/>
                     <a:p>
-                      <a:r>
-                        <a:rPr kumimoji="1" lang="ko-KR" altLang="en-US" dirty="0"/>
+                      <a:pPr algn="ctr"/>
+                      <a:r>
+                        <a:rPr kumimoji="1" lang="ko-KR" altLang="en-US" sz="1200" dirty="0">
+                          <a:latin typeface="Noto Sans KR" panose="020B0200000000000000" pitchFamily="50" charset="-127"/>
+                          <a:ea typeface="Noto Sans KR" panose="020B0200000000000000" pitchFamily="50" charset="-127"/>
+                        </a:rPr>
                         <a:t>결과</a:t>
                       </a:r>
-                      <a:endParaRPr kumimoji="1" lang="ja-JP" altLang="en-US" dirty="0"/>
+                      <a:endParaRPr kumimoji="1" lang="ja-JP" altLang="en-US" sz="1200" dirty="0">
+                        <a:latin typeface="Noto Sans KR" panose="020B0200000000000000" pitchFamily="50" charset="-127"/>
+                        <a:ea typeface="Noto Sans KR" panose="020B0200000000000000" pitchFamily="50" charset="-127"/>
+                      </a:endParaRPr>
                     </a:p>
                   </a:txBody>
                   <a:tcPr/>
@@ -3830,42 +3938,58 @@
                     <a:lstStyle/>
                     <a:p>
                       <a:r>
-                        <a:rPr kumimoji="1" lang="en-US" altLang="ja-JP" sz="1400" dirty="0" err="1"/>
+                        <a:rPr kumimoji="1" lang="en-US" altLang="ja-JP" sz="1200" dirty="0" err="1">
+                          <a:latin typeface="Noto Sans KR" panose="020B0200000000000000" pitchFamily="50" charset="-127"/>
+                          <a:ea typeface="Noto Sans KR" panose="020B0200000000000000" pitchFamily="50" charset="-127"/>
+                        </a:rPr>
                         <a:t>TitleScene</a:t>
                       </a:r>
                       <a:r>
-                        <a:rPr kumimoji="1" lang="en-US" altLang="ja-JP" sz="1400" dirty="0"/>
+                        <a:rPr kumimoji="1" lang="en-US" altLang="ja-JP" sz="1200" dirty="0">
+                          <a:latin typeface="Noto Sans KR" panose="020B0200000000000000" pitchFamily="50" charset="-127"/>
+                          <a:ea typeface="Noto Sans KR" panose="020B0200000000000000" pitchFamily="50" charset="-127"/>
+                        </a:rPr>
                         <a:t>(temp), </a:t>
                       </a:r>
                       <a:r>
-                        <a:rPr kumimoji="1" lang="en-US" altLang="ja-JP" sz="1400" dirty="0" err="1"/>
-                        <a:t>SelectionScene</a:t>
-                      </a:r>
-                      <a:r>
-                        <a:rPr kumimoji="1" lang="en-US" altLang="ja-JP" sz="1400" dirty="0"/>
-                        <a:t>, </a:t>
-                      </a:r>
-                      <a:r>
-                        <a:rPr kumimoji="1" lang="en-US" altLang="ja-JP" sz="1400" dirty="0" err="1"/>
+                        <a:rPr kumimoji="1" lang="en-US" altLang="ja-JP" sz="1200" dirty="0" err="1">
+                          <a:latin typeface="Noto Sans KR" panose="020B0200000000000000" pitchFamily="50" charset="-127"/>
+                          <a:ea typeface="Noto Sans KR" panose="020B0200000000000000" pitchFamily="50" charset="-127"/>
+                        </a:rPr>
                         <a:t>PlayScene</a:t>
                       </a:r>
                       <a:r>
-                        <a:rPr kumimoji="1" lang="en-US" altLang="ja-JP" sz="1400" dirty="0"/>
+                        <a:rPr kumimoji="1" lang="en-US" altLang="ja-JP" sz="1200" dirty="0">
+                          <a:latin typeface="Noto Sans KR" panose="020B0200000000000000" pitchFamily="50" charset="-127"/>
+                          <a:ea typeface="Noto Sans KR" panose="020B0200000000000000" pitchFamily="50" charset="-127"/>
+                        </a:rPr>
                         <a:t>,</a:t>
                       </a:r>
                       <a:r>
-                        <a:rPr kumimoji="1" lang="ko-KR" altLang="en-US" sz="1400" dirty="0"/>
+                        <a:rPr kumimoji="1" lang="ko-KR" altLang="en-US" sz="1200" dirty="0">
+                          <a:latin typeface="Noto Sans KR" panose="020B0200000000000000" pitchFamily="50" charset="-127"/>
+                          <a:ea typeface="Noto Sans KR" panose="020B0200000000000000" pitchFamily="50" charset="-127"/>
+                        </a:rPr>
                         <a:t> 캐릭터 </a:t>
                       </a:r>
                       <a:r>
-                        <a:rPr kumimoji="1" lang="ko-KR" altLang="en-US" sz="1400" dirty="0" err="1"/>
+                        <a:rPr kumimoji="1" lang="ko-KR" altLang="en-US" sz="1200" dirty="0" err="1">
+                          <a:latin typeface="Noto Sans KR" panose="020B0200000000000000" pitchFamily="50" charset="-127"/>
+                          <a:ea typeface="Noto Sans KR" panose="020B0200000000000000" pitchFamily="50" charset="-127"/>
+                        </a:rPr>
                         <a:t>스프라이트</a:t>
                       </a:r>
                       <a:r>
-                        <a:rPr kumimoji="1" lang="ko-KR" altLang="en-US" sz="1400" dirty="0"/>
+                        <a:rPr kumimoji="1" lang="ko-KR" altLang="en-US" sz="1200" dirty="0">
+                          <a:latin typeface="Noto Sans KR" panose="020B0200000000000000" pitchFamily="50" charset="-127"/>
+                          <a:ea typeface="Noto Sans KR" panose="020B0200000000000000" pitchFamily="50" charset="-127"/>
+                        </a:rPr>
                         <a:t> 테스트 완료</a:t>
                       </a:r>
-                      <a:endParaRPr kumimoji="1" lang="ja-JP" altLang="en-US" sz="1400" dirty="0"/>
+                      <a:endParaRPr kumimoji="1" lang="ja-JP" altLang="en-US" sz="1200" dirty="0">
+                        <a:latin typeface="Noto Sans KR" panose="020B0200000000000000" pitchFamily="50" charset="-127"/>
+                        <a:ea typeface="Noto Sans KR" panose="020B0200000000000000" pitchFamily="50" charset="-127"/>
+                      </a:endParaRPr>
                     </a:p>
                   </a:txBody>
                   <a:tcPr/>
@@ -3886,21 +4010,38 @@
                   </a:ext>
                 </a:extLst>
               </a:tr>
-              <a:tr h="245904">
+              <a:tr h="310715">
                 <a:tc rowSpan="2">
                   <a:txBody>
                     <a:bodyPr/>
                     <a:lstStyle/>
                     <a:p>
-                      <a:r>
-                        <a:rPr kumimoji="1" lang="en-US" altLang="ja-JP" dirty="0"/>
+                      <a:pPr algn="ctr"/>
+                      <a:endParaRPr kumimoji="1" lang="en-US" altLang="ja-JP" sz="1200" b="1" dirty="0">
+                        <a:latin typeface="Noto Sans KR" panose="020B0200000000000000" pitchFamily="50" charset="-127"/>
+                        <a:ea typeface="Noto Sans KR" panose="020B0200000000000000" pitchFamily="50" charset="-127"/>
+                      </a:endParaRPr>
+                    </a:p>
+                    <a:p>
+                      <a:pPr algn="ctr"/>
+                      <a:r>
+                        <a:rPr kumimoji="1" lang="en-US" altLang="ja-JP" sz="1200" b="1" dirty="0">
+                          <a:latin typeface="Noto Sans KR" panose="020B0200000000000000" pitchFamily="50" charset="-127"/>
+                          <a:ea typeface="Noto Sans KR" panose="020B0200000000000000" pitchFamily="50" charset="-127"/>
+                        </a:rPr>
                         <a:t>2</a:t>
                       </a:r>
                       <a:r>
-                        <a:rPr kumimoji="1" lang="ko-KR" altLang="en-US" dirty="0"/>
+                        <a:rPr kumimoji="1" lang="ko-KR" altLang="en-US" sz="1200" b="1" dirty="0">
+                          <a:latin typeface="Noto Sans KR" panose="020B0200000000000000" pitchFamily="50" charset="-127"/>
+                          <a:ea typeface="Noto Sans KR" panose="020B0200000000000000" pitchFamily="50" charset="-127"/>
+                        </a:rPr>
                         <a:t>주</a:t>
                       </a:r>
-                      <a:endParaRPr kumimoji="1" lang="ja-JP" altLang="en-US" dirty="0"/>
+                      <a:endParaRPr kumimoji="1" lang="ja-JP" altLang="en-US" sz="1200" b="1" dirty="0">
+                        <a:latin typeface="Noto Sans KR" panose="020B0200000000000000" pitchFamily="50" charset="-127"/>
+                        <a:ea typeface="Noto Sans KR" panose="020B0200000000000000" pitchFamily="50" charset="-127"/>
+                      </a:endParaRPr>
                     </a:p>
                   </a:txBody>
                   <a:tcPr/>
@@ -3910,11 +4051,18 @@
                     <a:bodyPr/>
                     <a:lstStyle/>
                     <a:p>
-                      <a:r>
-                        <a:rPr kumimoji="1" lang="ko-KR" altLang="en-US" dirty="0"/>
+                      <a:pPr algn="ctr"/>
+                      <a:r>
+                        <a:rPr kumimoji="1" lang="ko-KR" altLang="en-US" sz="1200" dirty="0">
+                          <a:latin typeface="Noto Sans KR" panose="020B0200000000000000" pitchFamily="50" charset="-127"/>
+                          <a:ea typeface="Noto Sans KR" panose="020B0200000000000000" pitchFamily="50" charset="-127"/>
+                        </a:rPr>
                         <a:t>계획</a:t>
                       </a:r>
-                      <a:endParaRPr kumimoji="1" lang="ja-JP" altLang="en-US" dirty="0"/>
+                      <a:endParaRPr kumimoji="1" lang="ja-JP" altLang="en-US" sz="1200" dirty="0">
+                        <a:latin typeface="Noto Sans KR" panose="020B0200000000000000" pitchFamily="50" charset="-127"/>
+                        <a:ea typeface="Noto Sans KR" panose="020B0200000000000000" pitchFamily="50" charset="-127"/>
+                      </a:endParaRPr>
                     </a:p>
                   </a:txBody>
                   <a:tcPr/>
@@ -3942,71 +4090,71 @@
                         <a:defRPr/>
                       </a:pPr>
                       <a:r>
-                        <a:rPr lang="ko-KR" altLang="en-US" b="1" dirty="0">
-                          <a:latin typeface="굴림체" panose="020B0609000101010101" pitchFamily="49" charset="-127"/>
-                          <a:ea typeface="굴림체" panose="020B0609000101010101" pitchFamily="49" charset="-127"/>
+                        <a:rPr lang="ko-KR" altLang="en-US" sz="1200" b="1" dirty="0">
+                          <a:latin typeface="Noto Sans KR" panose="020B0200000000000000" pitchFamily="50" charset="-127"/>
+                          <a:ea typeface="Noto Sans KR" panose="020B0200000000000000" pitchFamily="50" charset="-127"/>
                         </a:rPr>
                         <a:t>캐릭터 </a:t>
                       </a:r>
                       <a:r>
-                        <a:rPr lang="en-US" altLang="ko-KR" b="1" dirty="0">
-                          <a:latin typeface="굴림체" panose="020B0609000101010101" pitchFamily="49" charset="-127"/>
-                          <a:ea typeface="굴림체" panose="020B0609000101010101" pitchFamily="49" charset="-127"/>
+                        <a:rPr lang="en-US" altLang="ko-KR" sz="1200" b="1" dirty="0">
+                          <a:latin typeface="Noto Sans KR" panose="020B0200000000000000" pitchFamily="50" charset="-127"/>
+                          <a:ea typeface="Noto Sans KR" panose="020B0200000000000000" pitchFamily="50" charset="-127"/>
                         </a:rPr>
                         <a:t>1</a:t>
                       </a:r>
                       <a:r>
-                        <a:rPr lang="ko-KR" altLang="en-US" b="1" dirty="0">
-                          <a:latin typeface="굴림체" panose="020B0609000101010101" pitchFamily="49" charset="-127"/>
-                          <a:ea typeface="굴림체" panose="020B0609000101010101" pitchFamily="49" charset="-127"/>
+                        <a:rPr lang="ko-KR" altLang="en-US" sz="1200" b="1" dirty="0">
+                          <a:latin typeface="Noto Sans KR" panose="020B0200000000000000" pitchFamily="50" charset="-127"/>
+                          <a:ea typeface="Noto Sans KR" panose="020B0200000000000000" pitchFamily="50" charset="-127"/>
                         </a:rPr>
                         <a:t>의 이동</a:t>
                       </a:r>
                       <a:r>
-                        <a:rPr lang="en-US" altLang="ko-KR" b="1" dirty="0">
-                          <a:latin typeface="굴림체" panose="020B0609000101010101" pitchFamily="49" charset="-127"/>
-                          <a:ea typeface="굴림체" panose="020B0609000101010101" pitchFamily="49" charset="-127"/>
+                        <a:rPr lang="en-US" altLang="ko-KR" sz="1200" b="1" dirty="0">
+                          <a:latin typeface="Noto Sans KR" panose="020B0200000000000000" pitchFamily="50" charset="-127"/>
+                          <a:ea typeface="Noto Sans KR" panose="020B0200000000000000" pitchFamily="50" charset="-127"/>
                         </a:rPr>
                         <a:t>, </a:t>
                       </a:r>
                       <a:r>
-                        <a:rPr lang="ko-KR" altLang="en-US" b="1" dirty="0">
-                          <a:latin typeface="굴림체" panose="020B0609000101010101" pitchFamily="49" charset="-127"/>
-                          <a:ea typeface="굴림체" panose="020B0609000101010101" pitchFamily="49" charset="-127"/>
+                        <a:rPr lang="ko-KR" altLang="en-US" sz="1200" b="1" dirty="0">
+                          <a:latin typeface="Noto Sans KR" panose="020B0200000000000000" pitchFamily="50" charset="-127"/>
+                          <a:ea typeface="Noto Sans KR" panose="020B0200000000000000" pitchFamily="50" charset="-127"/>
                         </a:rPr>
                         <a:t>공격</a:t>
                       </a:r>
                       <a:r>
-                        <a:rPr lang="en-US" altLang="ko-KR" b="1" dirty="0">
-                          <a:latin typeface="굴림체" panose="020B0609000101010101" pitchFamily="49" charset="-127"/>
-                          <a:ea typeface="굴림체" panose="020B0609000101010101" pitchFamily="49" charset="-127"/>
+                        <a:rPr lang="en-US" altLang="ko-KR" sz="1200" b="1" dirty="0">
+                          <a:latin typeface="Noto Sans KR" panose="020B0200000000000000" pitchFamily="50" charset="-127"/>
+                          <a:ea typeface="Noto Sans KR" panose="020B0200000000000000" pitchFamily="50" charset="-127"/>
                         </a:rPr>
                         <a:t>, </a:t>
                       </a:r>
                       <a:r>
-                        <a:rPr lang="ko-KR" altLang="en-US" b="1" dirty="0">
-                          <a:latin typeface="굴림체" panose="020B0609000101010101" pitchFamily="49" charset="-127"/>
-                          <a:ea typeface="굴림체" panose="020B0609000101010101" pitchFamily="49" charset="-127"/>
+                        <a:rPr lang="ko-KR" altLang="en-US" sz="1200" b="1" dirty="0">
+                          <a:latin typeface="Noto Sans KR" panose="020B0200000000000000" pitchFamily="50" charset="-127"/>
+                          <a:ea typeface="Noto Sans KR" panose="020B0200000000000000" pitchFamily="50" charset="-127"/>
                         </a:rPr>
                         <a:t>잡기</a:t>
                       </a:r>
                       <a:r>
-                        <a:rPr lang="en-US" altLang="ko-KR" b="1" dirty="0">
-                          <a:latin typeface="굴림체" panose="020B0609000101010101" pitchFamily="49" charset="-127"/>
-                          <a:ea typeface="굴림체" panose="020B0609000101010101" pitchFamily="49" charset="-127"/>
+                        <a:rPr lang="en-US" altLang="ko-KR" sz="1200" b="1" dirty="0">
+                          <a:latin typeface="Noto Sans KR" panose="020B0200000000000000" pitchFamily="50" charset="-127"/>
+                          <a:ea typeface="Noto Sans KR" panose="020B0200000000000000" pitchFamily="50" charset="-127"/>
                         </a:rPr>
                         <a:t>, </a:t>
                       </a:r>
                       <a:r>
-                        <a:rPr lang="ko-KR" altLang="en-US" b="1" dirty="0">
-                          <a:latin typeface="굴림체" panose="020B0609000101010101" pitchFamily="49" charset="-127"/>
-                          <a:ea typeface="굴림체" panose="020B0609000101010101" pitchFamily="49" charset="-127"/>
+                        <a:rPr lang="ko-KR" altLang="en-US" sz="1200" b="1" dirty="0">
+                          <a:latin typeface="Noto Sans KR" panose="020B0200000000000000" pitchFamily="50" charset="-127"/>
+                          <a:ea typeface="Noto Sans KR" panose="020B0200000000000000" pitchFamily="50" charset="-127"/>
                         </a:rPr>
                         <a:t>레이지 스킬 구현</a:t>
                       </a:r>
-                      <a:endParaRPr lang="en-US" altLang="ko-KR" b="1" dirty="0">
-                        <a:latin typeface="굴림체" panose="020B0609000101010101" pitchFamily="49" charset="-127"/>
-                        <a:ea typeface="굴림체" panose="020B0609000101010101" pitchFamily="49" charset="-127"/>
+                      <a:endParaRPr lang="en-US" altLang="ko-KR" sz="1200" b="1" dirty="0">
+                        <a:latin typeface="Noto Sans KR" panose="020B0200000000000000" pitchFamily="50" charset="-127"/>
+                        <a:ea typeface="Noto Sans KR" panose="020B0200000000000000" pitchFamily="50" charset="-127"/>
                       </a:endParaRPr>
                     </a:p>
                   </a:txBody>
@@ -4017,7 +4165,25 @@
                     <a:bodyPr/>
                     <a:lstStyle/>
                     <a:p>
-                      <a:endParaRPr kumimoji="1" lang="ja-JP" altLang="en-US" dirty="0"/>
+                      <a:pPr algn="ctr"/>
+                      <a:endParaRPr kumimoji="1" lang="en-US" altLang="ja-JP" sz="1200" b="1" dirty="0">
+                        <a:latin typeface="Noto Sans KR" panose="020B0200000000000000" pitchFamily="50" charset="-127"/>
+                        <a:ea typeface="Noto Sans KR" panose="020B0200000000000000" pitchFamily="50" charset="-127"/>
+                      </a:endParaRPr>
+                    </a:p>
+                    <a:p>
+                      <a:pPr algn="ctr"/>
+                      <a:r>
+                        <a:rPr kumimoji="1" lang="en-US" altLang="ja-JP" sz="1200" b="1" dirty="0">
+                          <a:latin typeface="Noto Sans KR" panose="020B0200000000000000" pitchFamily="50" charset="-127"/>
+                          <a:ea typeface="Noto Sans KR" panose="020B0200000000000000" pitchFamily="50" charset="-127"/>
+                        </a:rPr>
+                        <a:t>90%</a:t>
+                      </a:r>
+                      <a:endParaRPr kumimoji="1" lang="ja-JP" altLang="en-US" sz="1200" b="1" dirty="0">
+                        <a:latin typeface="Noto Sans KR" panose="020B0200000000000000" pitchFamily="50" charset="-127"/>
+                        <a:ea typeface="Noto Sans KR" panose="020B0200000000000000" pitchFamily="50" charset="-127"/>
+                      </a:endParaRPr>
                     </a:p>
                   </a:txBody>
                   <a:tcPr/>
@@ -4028,7 +4194,7 @@
                   </a:ext>
                 </a:extLst>
               </a:tr>
-              <a:tr h="245904">
+              <a:tr h="310715">
                 <a:tc vMerge="1">
                   <a:txBody>
                     <a:bodyPr/>
@@ -4044,11 +4210,18 @@
                     <a:bodyPr/>
                     <a:lstStyle/>
                     <a:p>
-                      <a:r>
-                        <a:rPr kumimoji="1" lang="ko-KR" altLang="en-US" dirty="0"/>
+                      <a:pPr algn="ctr"/>
+                      <a:r>
+                        <a:rPr kumimoji="1" lang="ko-KR" altLang="en-US" sz="1200" dirty="0">
+                          <a:latin typeface="Noto Sans KR" panose="020B0200000000000000" pitchFamily="50" charset="-127"/>
+                          <a:ea typeface="Noto Sans KR" panose="020B0200000000000000" pitchFamily="50" charset="-127"/>
+                        </a:rPr>
                         <a:t>결과</a:t>
                       </a:r>
-                      <a:endParaRPr kumimoji="1" lang="ja-JP" altLang="en-US" dirty="0"/>
+                      <a:endParaRPr kumimoji="1" lang="ja-JP" altLang="en-US" sz="1200" dirty="0">
+                        <a:latin typeface="Noto Sans KR" panose="020B0200000000000000" pitchFamily="50" charset="-127"/>
+                        <a:ea typeface="Noto Sans KR" panose="020B0200000000000000" pitchFamily="50" charset="-127"/>
+                      </a:endParaRPr>
                     </a:p>
                   </a:txBody>
                   <a:tcPr/>
@@ -4059,26 +4232,51 @@
                     <a:lstStyle/>
                     <a:p>
                       <a:r>
-                        <a:rPr kumimoji="1" lang="en-US" altLang="ja-JP" dirty="0"/>
+                        <a:rPr kumimoji="1" lang="en-US" altLang="ja-JP" sz="1200" dirty="0">
+                          <a:latin typeface="Noto Sans KR" panose="020B0200000000000000" pitchFamily="50" charset="-127"/>
+                          <a:ea typeface="Noto Sans KR" panose="020B0200000000000000" pitchFamily="50" charset="-127"/>
+                        </a:rPr>
                         <a:t>Priest </a:t>
                       </a:r>
                       <a:r>
-                        <a:rPr kumimoji="1" lang="ko-KR" altLang="en-US" dirty="0"/>
+                        <a:rPr kumimoji="1" lang="ko-KR" altLang="en-US" sz="1200" dirty="0">
+                          <a:latin typeface="Noto Sans KR" panose="020B0200000000000000" pitchFamily="50" charset="-127"/>
+                          <a:ea typeface="Noto Sans KR" panose="020B0200000000000000" pitchFamily="50" charset="-127"/>
+                        </a:rPr>
                         <a:t>캐릭터의 이동</a:t>
                       </a:r>
                       <a:r>
-                        <a:rPr kumimoji="1" lang="en-US" altLang="ko-KR" dirty="0"/>
+                        <a:rPr kumimoji="1" lang="en-US" altLang="ko-KR" sz="1200" dirty="0">
+                          <a:latin typeface="Noto Sans KR" panose="020B0200000000000000" pitchFamily="50" charset="-127"/>
+                          <a:ea typeface="Noto Sans KR" panose="020B0200000000000000" pitchFamily="50" charset="-127"/>
+                        </a:rPr>
                         <a:t>, </a:t>
                       </a:r>
                       <a:r>
-                        <a:rPr kumimoji="1" lang="ko-KR" altLang="en-US" dirty="0"/>
+                        <a:rPr kumimoji="1" lang="ko-KR" altLang="en-US" sz="1200" dirty="0">
+                          <a:latin typeface="Noto Sans KR" panose="020B0200000000000000" pitchFamily="50" charset="-127"/>
+                          <a:ea typeface="Noto Sans KR" panose="020B0200000000000000" pitchFamily="50" charset="-127"/>
+                        </a:rPr>
                         <a:t>공격</a:t>
                       </a:r>
                       <a:r>
-                        <a:rPr kumimoji="1" lang="en-US" altLang="ko-KR"/>
-                        <a:t>, </a:t>
-                      </a:r>
-                      <a:endParaRPr kumimoji="1" lang="ja-JP" altLang="en-US" dirty="0"/>
+                        <a:rPr kumimoji="1" lang="en-US" altLang="ko-KR" sz="1200" dirty="0">
+                          <a:latin typeface="Noto Sans KR" panose="020B0200000000000000" pitchFamily="50" charset="-127"/>
+                          <a:ea typeface="Noto Sans KR" panose="020B0200000000000000" pitchFamily="50" charset="-127"/>
+                        </a:rPr>
+                        <a:t> </a:t>
+                      </a:r>
+                      <a:r>
+                        <a:rPr kumimoji="1" lang="ko-KR" altLang="en-US" sz="1200" dirty="0">
+                          <a:latin typeface="Noto Sans KR" panose="020B0200000000000000" pitchFamily="50" charset="-127"/>
+                          <a:ea typeface="Noto Sans KR" panose="020B0200000000000000" pitchFamily="50" charset="-127"/>
+                        </a:rPr>
+                        <a:t>구현</a:t>
+                      </a:r>
+                      <a:endParaRPr kumimoji="1" lang="ja-JP" altLang="en-US" sz="1200" dirty="0">
+                        <a:latin typeface="Noto Sans KR" panose="020B0200000000000000" pitchFamily="50" charset="-127"/>
+                        <a:ea typeface="Noto Sans KR" panose="020B0200000000000000" pitchFamily="50" charset="-127"/>
+                      </a:endParaRPr>
                     </a:p>
                   </a:txBody>
                   <a:tcPr/>
@@ -4099,21 +4297,38 @@
                   </a:ext>
                 </a:extLst>
               </a:tr>
-              <a:tr h="245904">
+              <a:tr h="310715">
                 <a:tc rowSpan="2">
                   <a:txBody>
                     <a:bodyPr/>
                     <a:lstStyle/>
                     <a:p>
-                      <a:r>
-                        <a:rPr kumimoji="1" lang="en-US" altLang="ja-JP" dirty="0"/>
+                      <a:pPr algn="ctr"/>
+                      <a:endParaRPr kumimoji="1" lang="en-US" altLang="ja-JP" sz="1200" b="1" dirty="0">
+                        <a:latin typeface="Noto Sans KR" panose="020B0200000000000000" pitchFamily="50" charset="-127"/>
+                        <a:ea typeface="Noto Sans KR" panose="020B0200000000000000" pitchFamily="50" charset="-127"/>
+                      </a:endParaRPr>
+                    </a:p>
+                    <a:p>
+                      <a:pPr algn="ctr"/>
+                      <a:r>
+                        <a:rPr kumimoji="1" lang="en-US" altLang="ja-JP" sz="1200" b="1" dirty="0">
+                          <a:latin typeface="Noto Sans KR" panose="020B0200000000000000" pitchFamily="50" charset="-127"/>
+                          <a:ea typeface="Noto Sans KR" panose="020B0200000000000000" pitchFamily="50" charset="-127"/>
+                        </a:rPr>
                         <a:t>3</a:t>
                       </a:r>
                       <a:r>
-                        <a:rPr kumimoji="1" lang="ko-KR" altLang="en-US" dirty="0"/>
+                        <a:rPr kumimoji="1" lang="ko-KR" altLang="en-US" sz="1200" b="1" dirty="0">
+                          <a:latin typeface="Noto Sans KR" panose="020B0200000000000000" pitchFamily="50" charset="-127"/>
+                          <a:ea typeface="Noto Sans KR" panose="020B0200000000000000" pitchFamily="50" charset="-127"/>
+                        </a:rPr>
                         <a:t>주</a:t>
                       </a:r>
-                      <a:endParaRPr kumimoji="1" lang="ja-JP" altLang="en-US" dirty="0"/>
+                      <a:endParaRPr kumimoji="1" lang="ja-JP" altLang="en-US" sz="1200" b="1" dirty="0">
+                        <a:latin typeface="Noto Sans KR" panose="020B0200000000000000" pitchFamily="50" charset="-127"/>
+                        <a:ea typeface="Noto Sans KR" panose="020B0200000000000000" pitchFamily="50" charset="-127"/>
+                      </a:endParaRPr>
                     </a:p>
                   </a:txBody>
                   <a:tcPr/>
@@ -4123,11 +4338,18 @@
                     <a:bodyPr/>
                     <a:lstStyle/>
                     <a:p>
-                      <a:r>
-                        <a:rPr kumimoji="1" lang="ko-KR" altLang="en-US" dirty="0"/>
+                      <a:pPr algn="ctr"/>
+                      <a:r>
+                        <a:rPr kumimoji="1" lang="ko-KR" altLang="en-US" sz="1200" dirty="0">
+                          <a:latin typeface="Noto Sans KR" panose="020B0200000000000000" pitchFamily="50" charset="-127"/>
+                          <a:ea typeface="Noto Sans KR" panose="020B0200000000000000" pitchFamily="50" charset="-127"/>
+                        </a:rPr>
                         <a:t>계획</a:t>
                       </a:r>
-                      <a:endParaRPr kumimoji="1" lang="ja-JP" altLang="en-US" dirty="0"/>
+                      <a:endParaRPr kumimoji="1" lang="ja-JP" altLang="en-US" sz="1200" dirty="0">
+                        <a:latin typeface="Noto Sans KR" panose="020B0200000000000000" pitchFamily="50" charset="-127"/>
+                        <a:ea typeface="Noto Sans KR" panose="020B0200000000000000" pitchFamily="50" charset="-127"/>
+                      </a:endParaRPr>
                     </a:p>
                   </a:txBody>
                   <a:tcPr/>
@@ -4137,7 +4359,90 @@
                     <a:bodyPr/>
                     <a:lstStyle/>
                     <a:p>
-                      <a:endParaRPr kumimoji="1" lang="ja-JP" altLang="en-US" dirty="0"/>
+                      <a:pPr marL="0" marR="0" lvl="0" indent="0" algn="l" defTabSz="914400" rtl="0" eaLnBrk="1" fontAlgn="auto" latinLnBrk="0" hangingPunct="1">
+                        <a:lnSpc>
+                          <a:spcPct val="100000"/>
+                        </a:lnSpc>
+                        <a:spcBef>
+                          <a:spcPts val="0"/>
+                        </a:spcBef>
+                        <a:spcAft>
+                          <a:spcPts val="0"/>
+                        </a:spcAft>
+                        <a:buClrTx/>
+                        <a:buSzTx/>
+                        <a:buFontTx/>
+                        <a:buNone/>
+                        <a:tabLst/>
+                        <a:defRPr/>
+                      </a:pPr>
+                      <a:r>
+                        <a:rPr lang="ko-KR" altLang="en-US" sz="1200" b="1" dirty="0">
+                          <a:latin typeface="Noto Sans KR" panose="020B0200000000000000" pitchFamily="50" charset="-127"/>
+                          <a:ea typeface="Noto Sans KR" panose="020B0200000000000000" pitchFamily="50" charset="-127"/>
+                        </a:rPr>
+                        <a:t>캐릭터 </a:t>
+                      </a:r>
+                      <a:r>
+                        <a:rPr lang="en-US" altLang="ko-KR" sz="1200" b="1" dirty="0">
+                          <a:latin typeface="Noto Sans KR" panose="020B0200000000000000" pitchFamily="50" charset="-127"/>
+                          <a:ea typeface="Noto Sans KR" panose="020B0200000000000000" pitchFamily="50" charset="-127"/>
+                        </a:rPr>
+                        <a:t>2</a:t>
+                      </a:r>
+                      <a:r>
+                        <a:rPr lang="ko-KR" altLang="en-US" sz="1200" b="1" dirty="0">
+                          <a:latin typeface="Noto Sans KR" panose="020B0200000000000000" pitchFamily="50" charset="-127"/>
+                          <a:ea typeface="Noto Sans KR" panose="020B0200000000000000" pitchFamily="50" charset="-127"/>
+                        </a:rPr>
+                        <a:t>의 이동</a:t>
+                      </a:r>
+                      <a:r>
+                        <a:rPr lang="en-US" altLang="ko-KR" sz="1200" b="1" dirty="0">
+                          <a:latin typeface="Noto Sans KR" panose="020B0200000000000000" pitchFamily="50" charset="-127"/>
+                          <a:ea typeface="Noto Sans KR" panose="020B0200000000000000" pitchFamily="50" charset="-127"/>
+                        </a:rPr>
+                        <a:t>, </a:t>
+                      </a:r>
+                      <a:r>
+                        <a:rPr lang="ko-KR" altLang="en-US" sz="1200" b="1" dirty="0">
+                          <a:latin typeface="Noto Sans KR" panose="020B0200000000000000" pitchFamily="50" charset="-127"/>
+                          <a:ea typeface="Noto Sans KR" panose="020B0200000000000000" pitchFamily="50" charset="-127"/>
+                        </a:rPr>
+                        <a:t>공격</a:t>
+                      </a:r>
+                      <a:r>
+                        <a:rPr lang="en-US" altLang="ko-KR" sz="1200" b="1" dirty="0">
+                          <a:latin typeface="Noto Sans KR" panose="020B0200000000000000" pitchFamily="50" charset="-127"/>
+                          <a:ea typeface="Noto Sans KR" panose="020B0200000000000000" pitchFamily="50" charset="-127"/>
+                        </a:rPr>
+                        <a:t>, </a:t>
+                      </a:r>
+                      <a:r>
+                        <a:rPr lang="ko-KR" altLang="en-US" sz="1200" b="1" dirty="0">
+                          <a:latin typeface="Noto Sans KR" panose="020B0200000000000000" pitchFamily="50" charset="-127"/>
+                          <a:ea typeface="Noto Sans KR" panose="020B0200000000000000" pitchFamily="50" charset="-127"/>
+                        </a:rPr>
+                        <a:t>잡기</a:t>
+                      </a:r>
+                      <a:r>
+                        <a:rPr lang="en-US" altLang="ko-KR" sz="1200" b="1" dirty="0">
+                          <a:latin typeface="Noto Sans KR" panose="020B0200000000000000" pitchFamily="50" charset="-127"/>
+                          <a:ea typeface="Noto Sans KR" panose="020B0200000000000000" pitchFamily="50" charset="-127"/>
+                        </a:rPr>
+                        <a:t>, </a:t>
+                      </a:r>
+                      <a:r>
+                        <a:rPr lang="ko-KR" altLang="en-US" sz="1200" b="1" dirty="0">
+                          <a:latin typeface="Noto Sans KR" panose="020B0200000000000000" pitchFamily="50" charset="-127"/>
+                          <a:ea typeface="Noto Sans KR" panose="020B0200000000000000" pitchFamily="50" charset="-127"/>
+                        </a:rPr>
+                        <a:t>레이지 스킬 구현</a:t>
+                      </a:r>
+                      <a:endParaRPr lang="en-US" altLang="ko-KR" sz="1200" b="1" dirty="0">
+                        <a:latin typeface="Noto Sans KR" panose="020B0200000000000000" pitchFamily="50" charset="-127"/>
+                        <a:ea typeface="Noto Sans KR" panose="020B0200000000000000" pitchFamily="50" charset="-127"/>
+                      </a:endParaRPr>
                     </a:p>
                   </a:txBody>
                   <a:tcPr/>
@@ -4147,7 +4452,25 @@
                     <a:bodyPr/>
                     <a:lstStyle/>
                     <a:p>
-                      <a:endParaRPr kumimoji="1" lang="ja-JP" altLang="en-US" dirty="0"/>
+                      <a:pPr algn="ctr"/>
+                      <a:endParaRPr kumimoji="1" lang="en-US" altLang="ja-JP" sz="1200" b="1" dirty="0">
+                        <a:latin typeface="Noto Sans KR" panose="020B0200000000000000" pitchFamily="50" charset="-127"/>
+                        <a:ea typeface="Noto Sans KR" panose="020B0200000000000000" pitchFamily="50" charset="-127"/>
+                      </a:endParaRPr>
+                    </a:p>
+                    <a:p>
+                      <a:pPr algn="ctr"/>
+                      <a:r>
+                        <a:rPr kumimoji="1" lang="en-US" altLang="ja-JP" sz="1200" b="1" dirty="0">
+                          <a:latin typeface="Noto Sans KR" panose="020B0200000000000000" pitchFamily="50" charset="-127"/>
+                          <a:ea typeface="Noto Sans KR" panose="020B0200000000000000" pitchFamily="50" charset="-127"/>
+                        </a:rPr>
+                        <a:t>90%</a:t>
+                      </a:r>
+                      <a:endParaRPr kumimoji="1" lang="ja-JP" altLang="en-US" sz="1200" b="1" dirty="0">
+                        <a:latin typeface="Noto Sans KR" panose="020B0200000000000000" pitchFamily="50" charset="-127"/>
+                        <a:ea typeface="Noto Sans KR" panose="020B0200000000000000" pitchFamily="50" charset="-127"/>
+                      </a:endParaRPr>
                     </a:p>
                   </a:txBody>
                   <a:tcPr/>
@@ -4158,7 +4481,7 @@
                   </a:ext>
                 </a:extLst>
               </a:tr>
-              <a:tr h="245904">
+              <a:tr h="310715">
                 <a:tc vMerge="1">
                   <a:txBody>
                     <a:bodyPr/>
@@ -4174,11 +4497,18 @@
                     <a:bodyPr/>
                     <a:lstStyle/>
                     <a:p>
-                      <a:r>
-                        <a:rPr kumimoji="1" lang="ko-KR" altLang="en-US" dirty="0"/>
+                      <a:pPr algn="ctr"/>
+                      <a:r>
+                        <a:rPr kumimoji="1" lang="ko-KR" altLang="en-US" sz="1200" dirty="0">
+                          <a:latin typeface="Noto Sans KR" panose="020B0200000000000000" pitchFamily="50" charset="-127"/>
+                          <a:ea typeface="Noto Sans KR" panose="020B0200000000000000" pitchFamily="50" charset="-127"/>
+                        </a:rPr>
                         <a:t>결과</a:t>
                       </a:r>
-                      <a:endParaRPr kumimoji="1" lang="ja-JP" altLang="en-US" dirty="0"/>
+                      <a:endParaRPr kumimoji="1" lang="ja-JP" altLang="en-US" sz="1200" dirty="0">
+                        <a:latin typeface="Noto Sans KR" panose="020B0200000000000000" pitchFamily="50" charset="-127"/>
+                        <a:ea typeface="Noto Sans KR" panose="020B0200000000000000" pitchFamily="50" charset="-127"/>
+                      </a:endParaRPr>
                     </a:p>
                   </a:txBody>
                   <a:tcPr/>
@@ -4188,7 +4518,38 @@
                     <a:bodyPr/>
                     <a:lstStyle/>
                     <a:p>
-                      <a:endParaRPr kumimoji="1" lang="ja-JP" altLang="en-US" dirty="0"/>
+                      <a:r>
+                        <a:rPr kumimoji="1" lang="en-US" altLang="ja-JP" sz="1200" dirty="0">
+                          <a:latin typeface="Noto Sans KR" panose="020B0200000000000000" pitchFamily="50" charset="-127"/>
+                          <a:ea typeface="Noto Sans KR" panose="020B0200000000000000" pitchFamily="50" charset="-127"/>
+                        </a:rPr>
+                        <a:t>Thief </a:t>
+                      </a:r>
+                      <a:r>
+                        <a:rPr kumimoji="1" lang="ko-KR" altLang="en-US" sz="1200" dirty="0">
+                          <a:latin typeface="Noto Sans KR" panose="020B0200000000000000" pitchFamily="50" charset="-127"/>
+                          <a:ea typeface="Noto Sans KR" panose="020B0200000000000000" pitchFamily="50" charset="-127"/>
+                        </a:rPr>
+                        <a:t>캐릭터의 이동</a:t>
+                      </a:r>
+                      <a:r>
+                        <a:rPr kumimoji="1" lang="en-US" altLang="ko-KR" sz="1200" dirty="0">
+                          <a:latin typeface="Noto Sans KR" panose="020B0200000000000000" pitchFamily="50" charset="-127"/>
+                          <a:ea typeface="Noto Sans KR" panose="020B0200000000000000" pitchFamily="50" charset="-127"/>
+                        </a:rPr>
+                        <a:t>, </a:t>
+                      </a:r>
+                      <a:r>
+                        <a:rPr kumimoji="1" lang="ko-KR" altLang="en-US" sz="1200" dirty="0">
+                          <a:latin typeface="Noto Sans KR" panose="020B0200000000000000" pitchFamily="50" charset="-127"/>
+                          <a:ea typeface="Noto Sans KR" panose="020B0200000000000000" pitchFamily="50" charset="-127"/>
+                        </a:rPr>
+                        <a:t>공격 구현</a:t>
+                      </a:r>
+                      <a:endParaRPr kumimoji="1" lang="ja-JP" altLang="en-US" sz="1200" dirty="0">
+                        <a:latin typeface="Noto Sans KR" panose="020B0200000000000000" pitchFamily="50" charset="-127"/>
+                        <a:ea typeface="Noto Sans KR" panose="020B0200000000000000" pitchFamily="50" charset="-127"/>
+                      </a:endParaRPr>
                     </a:p>
                   </a:txBody>
                   <a:tcPr/>
@@ -4209,21 +4570,38 @@
                   </a:ext>
                 </a:extLst>
               </a:tr>
-              <a:tr h="245904">
+              <a:tr h="310715">
                 <a:tc rowSpan="2">
                   <a:txBody>
                     <a:bodyPr/>
                     <a:lstStyle/>
                     <a:p>
-                      <a:r>
-                        <a:rPr kumimoji="1" lang="en-US" altLang="ja-JP" dirty="0"/>
+                      <a:pPr algn="ctr"/>
+                      <a:endParaRPr kumimoji="1" lang="en-US" altLang="ja-JP" sz="1200" b="1" dirty="0">
+                        <a:latin typeface="Noto Sans KR" panose="020B0200000000000000" pitchFamily="50" charset="-127"/>
+                        <a:ea typeface="Noto Sans KR" panose="020B0200000000000000" pitchFamily="50" charset="-127"/>
+                      </a:endParaRPr>
+                    </a:p>
+                    <a:p>
+                      <a:pPr algn="ctr"/>
+                      <a:r>
+                        <a:rPr kumimoji="1" lang="en-US" altLang="ja-JP" sz="1200" b="1" dirty="0">
+                          <a:latin typeface="Noto Sans KR" panose="020B0200000000000000" pitchFamily="50" charset="-127"/>
+                          <a:ea typeface="Noto Sans KR" panose="020B0200000000000000" pitchFamily="50" charset="-127"/>
+                        </a:rPr>
                         <a:t>4</a:t>
                       </a:r>
                       <a:r>
-                        <a:rPr kumimoji="1" lang="ko-KR" altLang="en-US" dirty="0"/>
+                        <a:rPr kumimoji="1" lang="ko-KR" altLang="en-US" sz="1200" b="1" dirty="0">
+                          <a:latin typeface="Noto Sans KR" panose="020B0200000000000000" pitchFamily="50" charset="-127"/>
+                          <a:ea typeface="Noto Sans KR" panose="020B0200000000000000" pitchFamily="50" charset="-127"/>
+                        </a:rPr>
                         <a:t>주</a:t>
                       </a:r>
-                      <a:endParaRPr kumimoji="1" lang="ja-JP" altLang="en-US" dirty="0"/>
+                      <a:endParaRPr kumimoji="1" lang="ja-JP" altLang="en-US" sz="1200" b="1" dirty="0">
+                        <a:latin typeface="Noto Sans KR" panose="020B0200000000000000" pitchFamily="50" charset="-127"/>
+                        <a:ea typeface="Noto Sans KR" panose="020B0200000000000000" pitchFamily="50" charset="-127"/>
+                      </a:endParaRPr>
                     </a:p>
                   </a:txBody>
                   <a:tcPr/>
@@ -4233,11 +4611,18 @@
                     <a:bodyPr/>
                     <a:lstStyle/>
                     <a:p>
-                      <a:r>
-                        <a:rPr kumimoji="1" lang="ko-KR" altLang="en-US" dirty="0"/>
+                      <a:pPr algn="ctr"/>
+                      <a:r>
+                        <a:rPr kumimoji="1" lang="ko-KR" altLang="en-US" sz="1200" dirty="0">
+                          <a:latin typeface="Noto Sans KR" panose="020B0200000000000000" pitchFamily="50" charset="-127"/>
+                          <a:ea typeface="Noto Sans KR" panose="020B0200000000000000" pitchFamily="50" charset="-127"/>
+                        </a:rPr>
                         <a:t>계획</a:t>
                       </a:r>
-                      <a:endParaRPr kumimoji="1" lang="ja-JP" altLang="en-US" dirty="0"/>
+                      <a:endParaRPr kumimoji="1" lang="ja-JP" altLang="en-US" sz="1200" dirty="0">
+                        <a:latin typeface="Noto Sans KR" panose="020B0200000000000000" pitchFamily="50" charset="-127"/>
+                        <a:ea typeface="Noto Sans KR" panose="020B0200000000000000" pitchFamily="50" charset="-127"/>
+                      </a:endParaRPr>
                     </a:p>
                   </a:txBody>
                   <a:tcPr/>
@@ -4247,7 +4632,90 @@
                     <a:bodyPr/>
                     <a:lstStyle/>
                     <a:p>
-                      <a:endParaRPr kumimoji="1" lang="ja-JP" altLang="en-US" dirty="0"/>
+                      <a:pPr marL="0" marR="0" lvl="0" indent="0" algn="l" defTabSz="914400" rtl="0" eaLnBrk="1" fontAlgn="auto" latinLnBrk="0" hangingPunct="1">
+                        <a:lnSpc>
+                          <a:spcPct val="100000"/>
+                        </a:lnSpc>
+                        <a:spcBef>
+                          <a:spcPts val="0"/>
+                        </a:spcBef>
+                        <a:spcAft>
+                          <a:spcPts val="0"/>
+                        </a:spcAft>
+                        <a:buClrTx/>
+                        <a:buSzTx/>
+                        <a:buFontTx/>
+                        <a:buNone/>
+                        <a:tabLst/>
+                        <a:defRPr/>
+                      </a:pPr>
+                      <a:r>
+                        <a:rPr lang="ko-KR" altLang="en-US" sz="1200" b="1" dirty="0">
+                          <a:latin typeface="Noto Sans KR" panose="020B0200000000000000" pitchFamily="50" charset="-127"/>
+                          <a:ea typeface="Noto Sans KR" panose="020B0200000000000000" pitchFamily="50" charset="-127"/>
+                        </a:rPr>
+                        <a:t>캐릭터 </a:t>
+                      </a:r>
+                      <a:r>
+                        <a:rPr lang="en-US" altLang="ko-KR" sz="1200" b="1" dirty="0">
+                          <a:latin typeface="Noto Sans KR" panose="020B0200000000000000" pitchFamily="50" charset="-127"/>
+                          <a:ea typeface="Noto Sans KR" panose="020B0200000000000000" pitchFamily="50" charset="-127"/>
+                        </a:rPr>
+                        <a:t>3</a:t>
+                      </a:r>
+                      <a:r>
+                        <a:rPr lang="ko-KR" altLang="en-US" sz="1200" b="1" dirty="0">
+                          <a:latin typeface="Noto Sans KR" panose="020B0200000000000000" pitchFamily="50" charset="-127"/>
+                          <a:ea typeface="Noto Sans KR" panose="020B0200000000000000" pitchFamily="50" charset="-127"/>
+                        </a:rPr>
+                        <a:t>의 이동</a:t>
+                      </a:r>
+                      <a:r>
+                        <a:rPr lang="en-US" altLang="ko-KR" sz="1200" b="1" dirty="0">
+                          <a:latin typeface="Noto Sans KR" panose="020B0200000000000000" pitchFamily="50" charset="-127"/>
+                          <a:ea typeface="Noto Sans KR" panose="020B0200000000000000" pitchFamily="50" charset="-127"/>
+                        </a:rPr>
+                        <a:t>, </a:t>
+                      </a:r>
+                      <a:r>
+                        <a:rPr lang="ko-KR" altLang="en-US" sz="1200" b="1" dirty="0">
+                          <a:latin typeface="Noto Sans KR" panose="020B0200000000000000" pitchFamily="50" charset="-127"/>
+                          <a:ea typeface="Noto Sans KR" panose="020B0200000000000000" pitchFamily="50" charset="-127"/>
+                        </a:rPr>
+                        <a:t>공격</a:t>
+                      </a:r>
+                      <a:r>
+                        <a:rPr lang="en-US" altLang="ko-KR" sz="1200" b="1" dirty="0">
+                          <a:latin typeface="Noto Sans KR" panose="020B0200000000000000" pitchFamily="50" charset="-127"/>
+                          <a:ea typeface="Noto Sans KR" panose="020B0200000000000000" pitchFamily="50" charset="-127"/>
+                        </a:rPr>
+                        <a:t>, </a:t>
+                      </a:r>
+                      <a:r>
+                        <a:rPr lang="ko-KR" altLang="en-US" sz="1200" b="1" dirty="0">
+                          <a:latin typeface="Noto Sans KR" panose="020B0200000000000000" pitchFamily="50" charset="-127"/>
+                          <a:ea typeface="Noto Sans KR" panose="020B0200000000000000" pitchFamily="50" charset="-127"/>
+                        </a:rPr>
+                        <a:t>잡기</a:t>
+                      </a:r>
+                      <a:r>
+                        <a:rPr lang="en-US" altLang="ko-KR" sz="1200" b="1" dirty="0">
+                          <a:latin typeface="Noto Sans KR" panose="020B0200000000000000" pitchFamily="50" charset="-127"/>
+                          <a:ea typeface="Noto Sans KR" panose="020B0200000000000000" pitchFamily="50" charset="-127"/>
+                        </a:rPr>
+                        <a:t>, </a:t>
+                      </a:r>
+                      <a:r>
+                        <a:rPr lang="ko-KR" altLang="en-US" sz="1200" b="1" dirty="0">
+                          <a:latin typeface="Noto Sans KR" panose="020B0200000000000000" pitchFamily="50" charset="-127"/>
+                          <a:ea typeface="Noto Sans KR" panose="020B0200000000000000" pitchFamily="50" charset="-127"/>
+                        </a:rPr>
+                        <a:t>레이지 스킬 구현</a:t>
+                      </a:r>
+                      <a:endParaRPr lang="en-US" altLang="ko-KR" sz="1200" b="1" dirty="0">
+                        <a:latin typeface="Noto Sans KR" panose="020B0200000000000000" pitchFamily="50" charset="-127"/>
+                        <a:ea typeface="Noto Sans KR" panose="020B0200000000000000" pitchFamily="50" charset="-127"/>
+                      </a:endParaRPr>
                     </a:p>
                   </a:txBody>
                   <a:tcPr/>
@@ -4257,7 +4725,25 @@
                     <a:bodyPr/>
                     <a:lstStyle/>
                     <a:p>
-                      <a:endParaRPr kumimoji="1" lang="ja-JP" altLang="en-US"/>
+                      <a:pPr algn="ctr"/>
+                      <a:endParaRPr kumimoji="1" lang="en-US" altLang="ja-JP" sz="1200" b="1" dirty="0">
+                        <a:latin typeface="Noto Sans KR" panose="020B0200000000000000" pitchFamily="50" charset="-127"/>
+                        <a:ea typeface="Noto Sans KR" panose="020B0200000000000000" pitchFamily="50" charset="-127"/>
+                      </a:endParaRPr>
+                    </a:p>
+                    <a:p>
+                      <a:pPr algn="ctr"/>
+                      <a:r>
+                        <a:rPr kumimoji="1" lang="en-US" altLang="ja-JP" sz="1200" b="1" dirty="0">
+                          <a:latin typeface="Noto Sans KR" panose="020B0200000000000000" pitchFamily="50" charset="-127"/>
+                          <a:ea typeface="Noto Sans KR" panose="020B0200000000000000" pitchFamily="50" charset="-127"/>
+                        </a:rPr>
+                        <a:t>90%</a:t>
+                      </a:r>
+                      <a:endParaRPr kumimoji="1" lang="ja-JP" altLang="en-US" sz="1200" b="1" dirty="0">
+                        <a:latin typeface="Noto Sans KR" panose="020B0200000000000000" pitchFamily="50" charset="-127"/>
+                        <a:ea typeface="Noto Sans KR" panose="020B0200000000000000" pitchFamily="50" charset="-127"/>
+                      </a:endParaRPr>
                     </a:p>
                   </a:txBody>
                   <a:tcPr/>
@@ -4268,7 +4754,7 @@
                   </a:ext>
                 </a:extLst>
               </a:tr>
-              <a:tr h="245904">
+              <a:tr h="310715">
                 <a:tc vMerge="1">
                   <a:txBody>
                     <a:bodyPr/>
@@ -4284,11 +4770,18 @@
                     <a:bodyPr/>
                     <a:lstStyle/>
                     <a:p>
-                      <a:r>
-                        <a:rPr kumimoji="1" lang="ko-KR" altLang="en-US" dirty="0"/>
+                      <a:pPr algn="ctr"/>
+                      <a:r>
+                        <a:rPr kumimoji="1" lang="ko-KR" altLang="en-US" sz="1200" dirty="0">
+                          <a:latin typeface="Noto Sans KR" panose="020B0200000000000000" pitchFamily="50" charset="-127"/>
+                          <a:ea typeface="Noto Sans KR" panose="020B0200000000000000" pitchFamily="50" charset="-127"/>
+                        </a:rPr>
                         <a:t>결과</a:t>
                       </a:r>
-                      <a:endParaRPr kumimoji="1" lang="ja-JP" altLang="en-US" dirty="0"/>
+                      <a:endParaRPr kumimoji="1" lang="ja-JP" altLang="en-US" sz="1200" dirty="0">
+                        <a:latin typeface="Noto Sans KR" panose="020B0200000000000000" pitchFamily="50" charset="-127"/>
+                        <a:ea typeface="Noto Sans KR" panose="020B0200000000000000" pitchFamily="50" charset="-127"/>
+                      </a:endParaRPr>
                     </a:p>
                   </a:txBody>
                   <a:tcPr/>
@@ -4298,7 +4791,38 @@
                     <a:bodyPr/>
                     <a:lstStyle/>
                     <a:p>
-                      <a:endParaRPr kumimoji="1" lang="ja-JP" altLang="en-US" dirty="0"/>
+                      <a:r>
+                        <a:rPr kumimoji="1" lang="en-US" altLang="ja-JP" sz="1200" dirty="0">
+                          <a:latin typeface="Noto Sans KR" panose="020B0200000000000000" pitchFamily="50" charset="-127"/>
+                          <a:ea typeface="Noto Sans KR" panose="020B0200000000000000" pitchFamily="50" charset="-127"/>
+                        </a:rPr>
+                        <a:t>Fighter </a:t>
+                      </a:r>
+                      <a:r>
+                        <a:rPr kumimoji="1" lang="ko-KR" altLang="en-US" sz="1200" dirty="0">
+                          <a:latin typeface="Noto Sans KR" panose="020B0200000000000000" pitchFamily="50" charset="-127"/>
+                          <a:ea typeface="Noto Sans KR" panose="020B0200000000000000" pitchFamily="50" charset="-127"/>
+                        </a:rPr>
+                        <a:t>캐릭터의 이동</a:t>
+                      </a:r>
+                      <a:r>
+                        <a:rPr kumimoji="1" lang="en-US" altLang="ko-KR" sz="1200" dirty="0">
+                          <a:latin typeface="Noto Sans KR" panose="020B0200000000000000" pitchFamily="50" charset="-127"/>
+                          <a:ea typeface="Noto Sans KR" panose="020B0200000000000000" pitchFamily="50" charset="-127"/>
+                        </a:rPr>
+                        <a:t>, </a:t>
+                      </a:r>
+                      <a:r>
+                        <a:rPr kumimoji="1" lang="ko-KR" altLang="en-US" sz="1200" dirty="0">
+                          <a:latin typeface="Noto Sans KR" panose="020B0200000000000000" pitchFamily="50" charset="-127"/>
+                          <a:ea typeface="Noto Sans KR" panose="020B0200000000000000" pitchFamily="50" charset="-127"/>
+                        </a:rPr>
+                        <a:t>공격 구현</a:t>
+                      </a:r>
+                      <a:endParaRPr kumimoji="1" lang="ja-JP" altLang="en-US" sz="1200" dirty="0">
+                        <a:latin typeface="Noto Sans KR" panose="020B0200000000000000" pitchFamily="50" charset="-127"/>
+                        <a:ea typeface="Noto Sans KR" panose="020B0200000000000000" pitchFamily="50" charset="-127"/>
+                      </a:endParaRPr>
                     </a:p>
                   </a:txBody>
                   <a:tcPr/>
@@ -4319,21 +4843,38 @@
                   </a:ext>
                 </a:extLst>
               </a:tr>
-              <a:tr h="245904">
+              <a:tr h="310715">
                 <a:tc rowSpan="2">
                   <a:txBody>
                     <a:bodyPr/>
                     <a:lstStyle/>
                     <a:p>
-                      <a:r>
-                        <a:rPr kumimoji="1" lang="en-US" altLang="ja-JP" dirty="0"/>
+                      <a:pPr algn="ctr"/>
+                      <a:endParaRPr kumimoji="1" lang="en-US" altLang="ja-JP" sz="1200" b="1" dirty="0">
+                        <a:latin typeface="Noto Sans KR" panose="020B0200000000000000" pitchFamily="50" charset="-127"/>
+                        <a:ea typeface="Noto Sans KR" panose="020B0200000000000000" pitchFamily="50" charset="-127"/>
+                      </a:endParaRPr>
+                    </a:p>
+                    <a:p>
+                      <a:pPr algn="ctr"/>
+                      <a:r>
+                        <a:rPr kumimoji="1" lang="en-US" altLang="ja-JP" sz="1200" b="1" dirty="0">
+                          <a:latin typeface="Noto Sans KR" panose="020B0200000000000000" pitchFamily="50" charset="-127"/>
+                          <a:ea typeface="Noto Sans KR" panose="020B0200000000000000" pitchFamily="50" charset="-127"/>
+                        </a:rPr>
                         <a:t>5</a:t>
                       </a:r>
                       <a:r>
-                        <a:rPr kumimoji="1" lang="ko-KR" altLang="en-US" dirty="0"/>
+                        <a:rPr kumimoji="1" lang="ko-KR" altLang="en-US" sz="1200" b="1" dirty="0">
+                          <a:latin typeface="Noto Sans KR" panose="020B0200000000000000" pitchFamily="50" charset="-127"/>
+                          <a:ea typeface="Noto Sans KR" panose="020B0200000000000000" pitchFamily="50" charset="-127"/>
+                        </a:rPr>
                         <a:t>주</a:t>
                       </a:r>
-                      <a:endParaRPr kumimoji="1" lang="ja-JP" altLang="en-US" dirty="0"/>
+                      <a:endParaRPr kumimoji="1" lang="ja-JP" altLang="en-US" sz="1200" b="1" dirty="0">
+                        <a:latin typeface="Noto Sans KR" panose="020B0200000000000000" pitchFamily="50" charset="-127"/>
+                        <a:ea typeface="Noto Sans KR" panose="020B0200000000000000" pitchFamily="50" charset="-127"/>
+                      </a:endParaRPr>
                     </a:p>
                   </a:txBody>
                   <a:tcPr/>
@@ -4343,11 +4884,18 @@
                     <a:bodyPr/>
                     <a:lstStyle/>
                     <a:p>
-                      <a:r>
-                        <a:rPr kumimoji="1" lang="ko-KR" altLang="en-US" dirty="0"/>
+                      <a:pPr algn="ctr"/>
+                      <a:r>
+                        <a:rPr kumimoji="1" lang="ko-KR" altLang="en-US" sz="1200" dirty="0">
+                          <a:latin typeface="Noto Sans KR" panose="020B0200000000000000" pitchFamily="50" charset="-127"/>
+                          <a:ea typeface="Noto Sans KR" panose="020B0200000000000000" pitchFamily="50" charset="-127"/>
+                        </a:rPr>
                         <a:t>계획</a:t>
                       </a:r>
-                      <a:endParaRPr kumimoji="1" lang="ja-JP" altLang="en-US" dirty="0"/>
+                      <a:endParaRPr kumimoji="1" lang="ja-JP" altLang="en-US" sz="1200" dirty="0">
+                        <a:latin typeface="Noto Sans KR" panose="020B0200000000000000" pitchFamily="50" charset="-127"/>
+                        <a:ea typeface="Noto Sans KR" panose="020B0200000000000000" pitchFamily="50" charset="-127"/>
+                      </a:endParaRPr>
                     </a:p>
                   </a:txBody>
                   <a:tcPr/>
@@ -4357,7 +4905,121 @@
                     <a:bodyPr/>
                     <a:lstStyle/>
                     <a:p>
-                      <a:endParaRPr kumimoji="1" lang="ja-JP" altLang="en-US" dirty="0"/>
+                      <a:pPr marL="0" marR="0" lvl="0" indent="0" algn="l" defTabSz="914400" rtl="0" eaLnBrk="1" fontAlgn="auto" latinLnBrk="0" hangingPunct="1">
+                        <a:lnSpc>
+                          <a:spcPct val="100000"/>
+                        </a:lnSpc>
+                        <a:spcBef>
+                          <a:spcPts val="0"/>
+                        </a:spcBef>
+                        <a:spcAft>
+                          <a:spcPts val="0"/>
+                        </a:spcAft>
+                        <a:buClrTx/>
+                        <a:buSzTx/>
+                        <a:buFontTx/>
+                        <a:buNone/>
+                        <a:tabLst/>
+                        <a:defRPr/>
+                      </a:pPr>
+                      <a:r>
+                        <a:rPr lang="ko-KR" altLang="en-US" sz="1200" b="1" dirty="0">
+                          <a:latin typeface="Noto Sans KR" panose="020B0200000000000000" pitchFamily="50" charset="-127"/>
+                          <a:ea typeface="Noto Sans KR" panose="020B0200000000000000" pitchFamily="50" charset="-127"/>
+                        </a:rPr>
+                        <a:t>캐릭터 </a:t>
+                      </a:r>
+                      <a:r>
+                        <a:rPr lang="en-US" altLang="ko-KR" sz="1200" b="1" dirty="0">
+                          <a:latin typeface="Noto Sans KR" panose="020B0200000000000000" pitchFamily="50" charset="-127"/>
+                          <a:ea typeface="Noto Sans KR" panose="020B0200000000000000" pitchFamily="50" charset="-127"/>
+                        </a:rPr>
+                        <a:t>4</a:t>
+                      </a:r>
+                      <a:r>
+                        <a:rPr lang="ko-KR" altLang="en-US" sz="1200" b="1" dirty="0">
+                          <a:latin typeface="Noto Sans KR" panose="020B0200000000000000" pitchFamily="50" charset="-127"/>
+                          <a:ea typeface="Noto Sans KR" panose="020B0200000000000000" pitchFamily="50" charset="-127"/>
+                        </a:rPr>
+                        <a:t>의 이동</a:t>
+                      </a:r>
+                      <a:r>
+                        <a:rPr lang="en-US" altLang="ko-KR" sz="1200" b="1" dirty="0">
+                          <a:latin typeface="Noto Sans KR" panose="020B0200000000000000" pitchFamily="50" charset="-127"/>
+                          <a:ea typeface="Noto Sans KR" panose="020B0200000000000000" pitchFamily="50" charset="-127"/>
+                        </a:rPr>
+                        <a:t>, </a:t>
+                      </a:r>
+                      <a:r>
+                        <a:rPr lang="ko-KR" altLang="en-US" sz="1200" b="1" dirty="0">
+                          <a:latin typeface="Noto Sans KR" panose="020B0200000000000000" pitchFamily="50" charset="-127"/>
+                          <a:ea typeface="Noto Sans KR" panose="020B0200000000000000" pitchFamily="50" charset="-127"/>
+                        </a:rPr>
+                        <a:t>공격</a:t>
+                      </a:r>
+                      <a:r>
+                        <a:rPr lang="en-US" altLang="ko-KR" sz="1200" b="1" dirty="0">
+                          <a:latin typeface="Noto Sans KR" panose="020B0200000000000000" pitchFamily="50" charset="-127"/>
+                          <a:ea typeface="Noto Sans KR" panose="020B0200000000000000" pitchFamily="50" charset="-127"/>
+                        </a:rPr>
+                        <a:t>, </a:t>
+                      </a:r>
+                      <a:r>
+                        <a:rPr lang="ko-KR" altLang="en-US" sz="1200" b="1" dirty="0">
+                          <a:latin typeface="Noto Sans KR" panose="020B0200000000000000" pitchFamily="50" charset="-127"/>
+                          <a:ea typeface="Noto Sans KR" panose="020B0200000000000000" pitchFamily="50" charset="-127"/>
+                        </a:rPr>
+                        <a:t>잡기</a:t>
+                      </a:r>
+                      <a:r>
+                        <a:rPr lang="en-US" altLang="ko-KR" sz="1200" b="1" dirty="0">
+                          <a:latin typeface="Noto Sans KR" panose="020B0200000000000000" pitchFamily="50" charset="-127"/>
+                          <a:ea typeface="Noto Sans KR" panose="020B0200000000000000" pitchFamily="50" charset="-127"/>
+                        </a:rPr>
+                        <a:t>, </a:t>
+                      </a:r>
+                      <a:r>
+                        <a:rPr lang="ko-KR" altLang="en-US" sz="1200" b="1" dirty="0">
+                          <a:latin typeface="Noto Sans KR" panose="020B0200000000000000" pitchFamily="50" charset="-127"/>
+                          <a:ea typeface="Noto Sans KR" panose="020B0200000000000000" pitchFamily="50" charset="-127"/>
+                        </a:rPr>
+                        <a:t>레이지 스킬 구현 </a:t>
+                      </a:r>
+                      <a:r>
+                        <a:rPr lang="en-US" altLang="ko-KR" sz="1200" b="1" dirty="0">
+                          <a:latin typeface="Noto Sans KR" panose="020B0200000000000000" pitchFamily="50" charset="-127"/>
+                          <a:ea typeface="Noto Sans KR" panose="020B0200000000000000" pitchFamily="50" charset="-127"/>
+                        </a:rPr>
+                        <a:t>(11</a:t>
+                      </a:r>
+                      <a:r>
+                        <a:rPr lang="ko-KR" altLang="en-US" sz="1200" b="1" dirty="0">
+                          <a:latin typeface="Noto Sans KR" panose="020B0200000000000000" pitchFamily="50" charset="-127"/>
+                          <a:ea typeface="Noto Sans KR" panose="020B0200000000000000" pitchFamily="50" charset="-127"/>
+                        </a:rPr>
+                        <a:t>월 </a:t>
+                      </a:r>
+                      <a:r>
+                        <a:rPr lang="en-US" altLang="ko-KR" sz="1200" b="1" dirty="0">
+                          <a:latin typeface="Noto Sans KR" panose="020B0200000000000000" pitchFamily="50" charset="-127"/>
+                          <a:ea typeface="Noto Sans KR" panose="020B0200000000000000" pitchFamily="50" charset="-127"/>
+                        </a:rPr>
+                        <a:t>10</a:t>
+                      </a:r>
+                      <a:r>
+                        <a:rPr lang="ko-KR" altLang="en-US" sz="1200" b="1" dirty="0">
+                          <a:latin typeface="Noto Sans KR" panose="020B0200000000000000" pitchFamily="50" charset="-127"/>
+                          <a:ea typeface="Noto Sans KR" panose="020B0200000000000000" pitchFamily="50" charset="-127"/>
+                        </a:rPr>
+                        <a:t>일</a:t>
+                      </a:r>
+                      <a:r>
+                        <a:rPr lang="en-US" altLang="ko-KR" sz="1200" b="1" dirty="0">
+                          <a:latin typeface="Noto Sans KR" panose="020B0200000000000000" pitchFamily="50" charset="-127"/>
+                          <a:ea typeface="Noto Sans KR" panose="020B0200000000000000" pitchFamily="50" charset="-127"/>
+                        </a:rPr>
+                        <a:t>~)</a:t>
+                      </a:r>
                     </a:p>
                   </a:txBody>
                   <a:tcPr/>
@@ -4367,7 +5029,18 @@
                     <a:bodyPr/>
                     <a:lstStyle/>
                     <a:p>
-                      <a:endParaRPr kumimoji="1" lang="ja-JP" altLang="en-US"/>
+                      <a:pPr algn="ctr"/>
+                      <a:endParaRPr kumimoji="1" lang="en-US" altLang="ja-JP" sz="1200" b="1" dirty="0">
+                        <a:latin typeface="Noto Sans KR" panose="020B0200000000000000" pitchFamily="50" charset="-127"/>
+                        <a:ea typeface="Noto Sans KR" panose="020B0200000000000000" pitchFamily="50" charset="-127"/>
+                      </a:endParaRPr>
+                    </a:p>
+                    <a:p>
+                      <a:pPr algn="ctr"/>
+                      <a:endParaRPr kumimoji="1" lang="ja-JP" altLang="en-US" sz="1200" b="1" dirty="0">
+                        <a:latin typeface="Noto Sans KR" panose="020B0200000000000000" pitchFamily="50" charset="-127"/>
+                        <a:ea typeface="Noto Sans KR" panose="020B0200000000000000" pitchFamily="50" charset="-127"/>
+                      </a:endParaRPr>
                     </a:p>
                   </a:txBody>
                   <a:tcPr/>
@@ -4378,7 +5051,7 @@
                   </a:ext>
                 </a:extLst>
               </a:tr>
-              <a:tr h="245904">
+              <a:tr h="310715">
                 <a:tc vMerge="1">
                   <a:txBody>
                     <a:bodyPr/>
@@ -4394,11 +5067,18 @@
                     <a:bodyPr/>
                     <a:lstStyle/>
                     <a:p>
-                      <a:r>
-                        <a:rPr kumimoji="1" lang="ko-KR" altLang="en-US" dirty="0"/>
+                      <a:pPr algn="ctr"/>
+                      <a:r>
+                        <a:rPr kumimoji="1" lang="ko-KR" altLang="en-US" sz="1200" dirty="0">
+                          <a:latin typeface="Noto Sans KR" panose="020B0200000000000000" pitchFamily="50" charset="-127"/>
+                          <a:ea typeface="Noto Sans KR" panose="020B0200000000000000" pitchFamily="50" charset="-127"/>
+                        </a:rPr>
                         <a:t>결과</a:t>
                       </a:r>
-                      <a:endParaRPr kumimoji="1" lang="ja-JP" altLang="en-US" dirty="0"/>
+                      <a:endParaRPr kumimoji="1" lang="ja-JP" altLang="en-US" sz="1200" dirty="0">
+                        <a:latin typeface="Noto Sans KR" panose="020B0200000000000000" pitchFamily="50" charset="-127"/>
+                        <a:ea typeface="Noto Sans KR" panose="020B0200000000000000" pitchFamily="50" charset="-127"/>
+                      </a:endParaRPr>
                     </a:p>
                   </a:txBody>
                   <a:tcPr/>
@@ -4408,7 +5088,73 @@
                     <a:bodyPr/>
                     <a:lstStyle/>
                     <a:p>
-                      <a:endParaRPr kumimoji="1" lang="ja-JP" altLang="en-US" dirty="0"/>
+                      <a:r>
+                        <a:rPr kumimoji="1" lang="en-US" altLang="ja-JP" sz="1200" dirty="0">
+                          <a:latin typeface="Noto Sans KR" panose="020B0200000000000000" pitchFamily="50" charset="-127"/>
+                          <a:ea typeface="Noto Sans KR" panose="020B0200000000000000" pitchFamily="50" charset="-127"/>
+                        </a:rPr>
+                        <a:t>Dark Knight </a:t>
+                      </a:r>
+                      <a:r>
+                        <a:rPr kumimoji="1" lang="ko-KR" altLang="en-US" sz="1200" dirty="0">
+                          <a:latin typeface="Noto Sans KR" panose="020B0200000000000000" pitchFamily="50" charset="-127"/>
+                          <a:ea typeface="Noto Sans KR" panose="020B0200000000000000" pitchFamily="50" charset="-127"/>
+                        </a:rPr>
+                        <a:t>캐릭터 </a:t>
+                      </a:r>
+                      <a:r>
+                        <a:rPr kumimoji="1" lang="ko-KR" altLang="en-US" sz="1200" dirty="0" err="1">
+                          <a:latin typeface="Noto Sans KR" panose="020B0200000000000000" pitchFamily="50" charset="-127"/>
+                          <a:ea typeface="Noto Sans KR" panose="020B0200000000000000" pitchFamily="50" charset="-127"/>
+                        </a:rPr>
+                        <a:t>스프라이트</a:t>
+                      </a:r>
+                      <a:r>
+                        <a:rPr kumimoji="1" lang="ko-KR" altLang="en-US" sz="1200" dirty="0">
+                          <a:latin typeface="Noto Sans KR" panose="020B0200000000000000" pitchFamily="50" charset="-127"/>
+                          <a:ea typeface="Noto Sans KR" panose="020B0200000000000000" pitchFamily="50" charset="-127"/>
+                        </a:rPr>
+                        <a:t> 정리 </a:t>
+                      </a:r>
+                      <a:r>
+                        <a:rPr kumimoji="1" lang="en-US" altLang="ko-KR" sz="1200" dirty="0">
+                          <a:latin typeface="Noto Sans KR" panose="020B0200000000000000" pitchFamily="50" charset="-127"/>
+                          <a:ea typeface="Noto Sans KR" panose="020B0200000000000000" pitchFamily="50" charset="-127"/>
+                        </a:rPr>
+                        <a:t>(11</a:t>
+                      </a:r>
+                      <a:r>
+                        <a:rPr kumimoji="1" lang="ko-KR" altLang="en-US" sz="1200" dirty="0">
+                          <a:latin typeface="Noto Sans KR" panose="020B0200000000000000" pitchFamily="50" charset="-127"/>
+                          <a:ea typeface="Noto Sans KR" panose="020B0200000000000000" pitchFamily="50" charset="-127"/>
+                        </a:rPr>
+                        <a:t>월 </a:t>
+                      </a:r>
+                      <a:r>
+                        <a:rPr kumimoji="1" lang="en-US" altLang="ko-KR" sz="1200" dirty="0">
+                          <a:latin typeface="Noto Sans KR" panose="020B0200000000000000" pitchFamily="50" charset="-127"/>
+                          <a:ea typeface="Noto Sans KR" panose="020B0200000000000000" pitchFamily="50" charset="-127"/>
+                        </a:rPr>
+                        <a:t>11</a:t>
+                      </a:r>
+                      <a:r>
+                        <a:rPr kumimoji="1" lang="ko-KR" altLang="en-US" sz="1200" dirty="0">
+                          <a:latin typeface="Noto Sans KR" panose="020B0200000000000000" pitchFamily="50" charset="-127"/>
+                          <a:ea typeface="Noto Sans KR" panose="020B0200000000000000" pitchFamily="50" charset="-127"/>
+                        </a:rPr>
+                        <a:t>일 기준</a:t>
+                      </a:r>
+                      <a:r>
+                        <a:rPr kumimoji="1" lang="en-US" altLang="ko-KR" sz="1200" dirty="0">
+                          <a:latin typeface="Noto Sans KR" panose="020B0200000000000000" pitchFamily="50" charset="-127"/>
+                          <a:ea typeface="Noto Sans KR" panose="020B0200000000000000" pitchFamily="50" charset="-127"/>
+                        </a:rPr>
+                        <a:t>)</a:t>
+                      </a:r>
+                      <a:endParaRPr kumimoji="1" lang="ja-JP" altLang="en-US" sz="1200" dirty="0">
+                        <a:latin typeface="Noto Sans KR" panose="020B0200000000000000" pitchFamily="50" charset="-127"/>
+                        <a:ea typeface="Noto Sans KR" panose="020B0200000000000000" pitchFamily="50" charset="-127"/>
+                      </a:endParaRPr>
                     </a:p>
                   </a:txBody>
                   <a:tcPr/>
@@ -4429,21 +5175,38 @@
                   </a:ext>
                 </a:extLst>
               </a:tr>
-              <a:tr h="245904">
+              <a:tr h="310715">
                 <a:tc rowSpan="2">
                   <a:txBody>
                     <a:bodyPr/>
                     <a:lstStyle/>
                     <a:p>
-                      <a:r>
-                        <a:rPr kumimoji="1" lang="en-US" altLang="ja-JP" dirty="0"/>
+                      <a:pPr algn="ctr"/>
+                      <a:endParaRPr kumimoji="1" lang="en-US" altLang="ja-JP" sz="1200" b="1" dirty="0">
+                        <a:latin typeface="Noto Sans KR" panose="020B0200000000000000" pitchFamily="50" charset="-127"/>
+                        <a:ea typeface="Noto Sans KR" panose="020B0200000000000000" pitchFamily="50" charset="-127"/>
+                      </a:endParaRPr>
+                    </a:p>
+                    <a:p>
+                      <a:pPr algn="ctr"/>
+                      <a:r>
+                        <a:rPr kumimoji="1" lang="en-US" altLang="ja-JP" sz="1200" b="1" dirty="0">
+                          <a:latin typeface="Noto Sans KR" panose="020B0200000000000000" pitchFamily="50" charset="-127"/>
+                          <a:ea typeface="Noto Sans KR" panose="020B0200000000000000" pitchFamily="50" charset="-127"/>
+                        </a:rPr>
                         <a:t>6</a:t>
                       </a:r>
                       <a:r>
-                        <a:rPr kumimoji="1" lang="ko-KR" altLang="en-US" dirty="0"/>
+                        <a:rPr kumimoji="1" lang="ko-KR" altLang="en-US" sz="1200" b="1" dirty="0">
+                          <a:latin typeface="Noto Sans KR" panose="020B0200000000000000" pitchFamily="50" charset="-127"/>
+                          <a:ea typeface="Noto Sans KR" panose="020B0200000000000000" pitchFamily="50" charset="-127"/>
+                        </a:rPr>
                         <a:t>주</a:t>
                       </a:r>
-                      <a:endParaRPr kumimoji="1" lang="ja-JP" altLang="en-US" dirty="0"/>
+                      <a:endParaRPr kumimoji="1" lang="ja-JP" altLang="en-US" sz="1200" b="1" dirty="0">
+                        <a:latin typeface="Noto Sans KR" panose="020B0200000000000000" pitchFamily="50" charset="-127"/>
+                        <a:ea typeface="Noto Sans KR" panose="020B0200000000000000" pitchFamily="50" charset="-127"/>
+                      </a:endParaRPr>
                     </a:p>
                   </a:txBody>
                   <a:tcPr/>
@@ -4453,11 +5216,18 @@
                     <a:bodyPr/>
                     <a:lstStyle/>
                     <a:p>
-                      <a:r>
-                        <a:rPr kumimoji="1" lang="ko-KR" altLang="en-US" dirty="0"/>
+                      <a:pPr algn="ctr"/>
+                      <a:r>
+                        <a:rPr kumimoji="1" lang="ko-KR" altLang="en-US" sz="1200" dirty="0">
+                          <a:latin typeface="Noto Sans KR" panose="020B0200000000000000" pitchFamily="50" charset="-127"/>
+                          <a:ea typeface="Noto Sans KR" panose="020B0200000000000000" pitchFamily="50" charset="-127"/>
+                        </a:rPr>
                         <a:t>계획</a:t>
                       </a:r>
-                      <a:endParaRPr kumimoji="1" lang="ja-JP" altLang="en-US" dirty="0"/>
+                      <a:endParaRPr kumimoji="1" lang="ja-JP" altLang="en-US" sz="1200" dirty="0">
+                        <a:latin typeface="Noto Sans KR" panose="020B0200000000000000" pitchFamily="50" charset="-127"/>
+                        <a:ea typeface="Noto Sans KR" panose="020B0200000000000000" pitchFamily="50" charset="-127"/>
+                      </a:endParaRPr>
                     </a:p>
                   </a:txBody>
                   <a:tcPr/>
@@ -4467,7 +5237,17 @@
                     <a:bodyPr/>
                     <a:lstStyle/>
                     <a:p>
-                      <a:endParaRPr kumimoji="1" lang="ja-JP" altLang="en-US" dirty="0"/>
+                      <a:r>
+                        <a:rPr kumimoji="1" lang="ko-KR" altLang="en-US" sz="1200" b="1" dirty="0">
+                          <a:latin typeface="Noto Sans KR" panose="020B0200000000000000" pitchFamily="50" charset="-127"/>
+                          <a:ea typeface="Noto Sans KR" panose="020B0200000000000000" pitchFamily="50" charset="-127"/>
+                        </a:rPr>
+                        <a:t>충돌처리</a:t>
+                      </a:r>
+                      <a:endParaRPr kumimoji="1" lang="ja-JP" altLang="en-US" sz="1200" b="1" dirty="0">
+                        <a:latin typeface="Noto Sans KR" panose="020B0200000000000000" pitchFamily="50" charset="-127"/>
+                        <a:ea typeface="Noto Sans KR" panose="020B0200000000000000" pitchFamily="50" charset="-127"/>
+                      </a:endParaRPr>
                     </a:p>
                   </a:txBody>
                   <a:tcPr/>
@@ -4477,7 +5257,11 @@
                     <a:bodyPr/>
                     <a:lstStyle/>
                     <a:p>
-                      <a:endParaRPr kumimoji="1" lang="ja-JP" altLang="en-US"/>
+                      <a:pPr algn="ctr"/>
+                      <a:endParaRPr kumimoji="1" lang="ja-JP" altLang="en-US" sz="1200" b="1" dirty="0">
+                        <a:latin typeface="Noto Sans KR" panose="020B0200000000000000" pitchFamily="50" charset="-127"/>
+                        <a:ea typeface="Noto Sans KR" panose="020B0200000000000000" pitchFamily="50" charset="-127"/>
+                      </a:endParaRPr>
                     </a:p>
                   </a:txBody>
                   <a:tcPr/>
@@ -4488,7 +5272,7 @@
                   </a:ext>
                 </a:extLst>
               </a:tr>
-              <a:tr h="245904">
+              <a:tr h="310715">
                 <a:tc vMerge="1">
                   <a:txBody>
                     <a:bodyPr/>
@@ -4504,11 +5288,18 @@
                     <a:bodyPr/>
                     <a:lstStyle/>
                     <a:p>
-                      <a:r>
-                        <a:rPr kumimoji="1" lang="ko-KR" altLang="en-US" dirty="0"/>
+                      <a:pPr algn="ctr"/>
+                      <a:r>
+                        <a:rPr kumimoji="1" lang="ko-KR" altLang="en-US" sz="1200" dirty="0">
+                          <a:latin typeface="Noto Sans KR" panose="020B0200000000000000" pitchFamily="50" charset="-127"/>
+                          <a:ea typeface="Noto Sans KR" panose="020B0200000000000000" pitchFamily="50" charset="-127"/>
+                        </a:rPr>
                         <a:t>결과</a:t>
                       </a:r>
-                      <a:endParaRPr kumimoji="1" lang="ja-JP" altLang="en-US" dirty="0"/>
+                      <a:endParaRPr kumimoji="1" lang="ja-JP" altLang="en-US" sz="1200" dirty="0">
+                        <a:latin typeface="Noto Sans KR" panose="020B0200000000000000" pitchFamily="50" charset="-127"/>
+                        <a:ea typeface="Noto Sans KR" panose="020B0200000000000000" pitchFamily="50" charset="-127"/>
+                      </a:endParaRPr>
                     </a:p>
                   </a:txBody>
                   <a:tcPr/>
@@ -4518,7 +5309,10 @@
                     <a:bodyPr/>
                     <a:lstStyle/>
                     <a:p>
-                      <a:endParaRPr kumimoji="1" lang="ja-JP" altLang="en-US" dirty="0"/>
+                      <a:endParaRPr kumimoji="1" lang="ja-JP" altLang="en-US" sz="1200" dirty="0">
+                        <a:latin typeface="Noto Sans KR" panose="020B0200000000000000" pitchFamily="50" charset="-127"/>
+                        <a:ea typeface="Noto Sans KR" panose="020B0200000000000000" pitchFamily="50" charset="-127"/>
+                      </a:endParaRPr>
                     </a:p>
                   </a:txBody>
                   <a:tcPr/>
@@ -4539,21 +5333,38 @@
                   </a:ext>
                 </a:extLst>
               </a:tr>
-              <a:tr h="245904">
+              <a:tr h="310715">
                 <a:tc rowSpan="2">
                   <a:txBody>
                     <a:bodyPr/>
                     <a:lstStyle/>
                     <a:p>
-                      <a:r>
-                        <a:rPr kumimoji="1" lang="en-US" altLang="ja-JP" dirty="0"/>
+                      <a:pPr algn="ctr"/>
+                      <a:endParaRPr kumimoji="1" lang="en-US" altLang="ja-JP" sz="1200" b="1" dirty="0">
+                        <a:latin typeface="Noto Sans KR" panose="020B0200000000000000" pitchFamily="50" charset="-127"/>
+                        <a:ea typeface="Noto Sans KR" panose="020B0200000000000000" pitchFamily="50" charset="-127"/>
+                      </a:endParaRPr>
+                    </a:p>
+                    <a:p>
+                      <a:pPr algn="ctr"/>
+                      <a:r>
+                        <a:rPr kumimoji="1" lang="en-US" altLang="ja-JP" sz="1200" b="1" dirty="0">
+                          <a:latin typeface="Noto Sans KR" panose="020B0200000000000000" pitchFamily="50" charset="-127"/>
+                          <a:ea typeface="Noto Sans KR" panose="020B0200000000000000" pitchFamily="50" charset="-127"/>
+                        </a:rPr>
                         <a:t>7</a:t>
                       </a:r>
                       <a:r>
-                        <a:rPr kumimoji="1" lang="ko-KR" altLang="en-US" dirty="0"/>
+                        <a:rPr kumimoji="1" lang="ko-KR" altLang="en-US" sz="1200" b="1" dirty="0">
+                          <a:latin typeface="Noto Sans KR" panose="020B0200000000000000" pitchFamily="50" charset="-127"/>
+                          <a:ea typeface="Noto Sans KR" panose="020B0200000000000000" pitchFamily="50" charset="-127"/>
+                        </a:rPr>
                         <a:t>주</a:t>
                       </a:r>
-                      <a:endParaRPr kumimoji="1" lang="ja-JP" altLang="en-US" dirty="0"/>
+                      <a:endParaRPr kumimoji="1" lang="ja-JP" altLang="en-US" sz="1200" b="1" dirty="0">
+                        <a:latin typeface="Noto Sans KR" panose="020B0200000000000000" pitchFamily="50" charset="-127"/>
+                        <a:ea typeface="Noto Sans KR" panose="020B0200000000000000" pitchFamily="50" charset="-127"/>
+                      </a:endParaRPr>
                     </a:p>
                   </a:txBody>
                   <a:tcPr/>
@@ -4563,11 +5374,18 @@
                     <a:bodyPr/>
                     <a:lstStyle/>
                     <a:p>
-                      <a:r>
-                        <a:rPr kumimoji="1" lang="ko-KR" altLang="en-US" dirty="0"/>
+                      <a:pPr algn="ctr"/>
+                      <a:r>
+                        <a:rPr kumimoji="1" lang="ko-KR" altLang="en-US" sz="1200" dirty="0">
+                          <a:latin typeface="Noto Sans KR" panose="020B0200000000000000" pitchFamily="50" charset="-127"/>
+                          <a:ea typeface="Noto Sans KR" panose="020B0200000000000000" pitchFamily="50" charset="-127"/>
+                        </a:rPr>
                         <a:t>계획</a:t>
                       </a:r>
-                      <a:endParaRPr kumimoji="1" lang="ja-JP" altLang="en-US" dirty="0"/>
+                      <a:endParaRPr kumimoji="1" lang="ja-JP" altLang="en-US" sz="1200" dirty="0">
+                        <a:latin typeface="Noto Sans KR" panose="020B0200000000000000" pitchFamily="50" charset="-127"/>
+                        <a:ea typeface="Noto Sans KR" panose="020B0200000000000000" pitchFamily="50" charset="-127"/>
+                      </a:endParaRPr>
                     </a:p>
                   </a:txBody>
                   <a:tcPr/>
@@ -4577,7 +5395,17 @@
                     <a:bodyPr/>
                     <a:lstStyle/>
                     <a:p>
-                      <a:endParaRPr kumimoji="1" lang="ja-JP" altLang="en-US" dirty="0"/>
+                      <a:r>
+                        <a:rPr kumimoji="1" lang="ko-KR" altLang="en-US" sz="1200" b="1" dirty="0">
+                          <a:latin typeface="Noto Sans KR" panose="020B0200000000000000" pitchFamily="50" charset="-127"/>
+                          <a:ea typeface="Noto Sans KR" panose="020B0200000000000000" pitchFamily="50" charset="-127"/>
+                        </a:rPr>
+                        <a:t>사운드 및 결과화면 구현</a:t>
+                      </a:r>
+                      <a:endParaRPr kumimoji="1" lang="ja-JP" altLang="en-US" sz="1200" b="1" dirty="0">
+                        <a:latin typeface="Noto Sans KR" panose="020B0200000000000000" pitchFamily="50" charset="-127"/>
+                        <a:ea typeface="Noto Sans KR" panose="020B0200000000000000" pitchFamily="50" charset="-127"/>
+                      </a:endParaRPr>
                     </a:p>
                   </a:txBody>
                   <a:tcPr/>
@@ -4587,7 +5415,11 @@
                     <a:bodyPr/>
                     <a:lstStyle/>
                     <a:p>
-                      <a:endParaRPr kumimoji="1" lang="ja-JP" altLang="en-US"/>
+                      <a:pPr algn="ctr"/>
+                      <a:endParaRPr kumimoji="1" lang="ja-JP" altLang="en-US" sz="1200" b="1" dirty="0">
+                        <a:latin typeface="Noto Sans KR" panose="020B0200000000000000" pitchFamily="50" charset="-127"/>
+                        <a:ea typeface="Noto Sans KR" panose="020B0200000000000000" pitchFamily="50" charset="-127"/>
+                      </a:endParaRPr>
                     </a:p>
                   </a:txBody>
                   <a:tcPr/>
@@ -4598,7 +5430,7 @@
                   </a:ext>
                 </a:extLst>
               </a:tr>
-              <a:tr h="245904">
+              <a:tr h="310715">
                 <a:tc vMerge="1">
                   <a:txBody>
                     <a:bodyPr/>
@@ -4614,11 +5446,18 @@
                     <a:bodyPr/>
                     <a:lstStyle/>
                     <a:p>
-                      <a:r>
-                        <a:rPr kumimoji="1" lang="ko-KR" altLang="en-US" dirty="0"/>
+                      <a:pPr algn="ctr"/>
+                      <a:r>
+                        <a:rPr kumimoji="1" lang="ko-KR" altLang="en-US" sz="1200" dirty="0">
+                          <a:latin typeface="Noto Sans KR" panose="020B0200000000000000" pitchFamily="50" charset="-127"/>
+                          <a:ea typeface="Noto Sans KR" panose="020B0200000000000000" pitchFamily="50" charset="-127"/>
+                        </a:rPr>
                         <a:t>결과</a:t>
                       </a:r>
-                      <a:endParaRPr kumimoji="1" lang="ja-JP" altLang="en-US" dirty="0"/>
+                      <a:endParaRPr kumimoji="1" lang="ja-JP" altLang="en-US" sz="1200" dirty="0">
+                        <a:latin typeface="Noto Sans KR" panose="020B0200000000000000" pitchFamily="50" charset="-127"/>
+                        <a:ea typeface="Noto Sans KR" panose="020B0200000000000000" pitchFamily="50" charset="-127"/>
+                      </a:endParaRPr>
                     </a:p>
                   </a:txBody>
                   <a:tcPr/>
@@ -4628,7 +5467,10 @@
                     <a:bodyPr/>
                     <a:lstStyle/>
                     <a:p>
-                      <a:endParaRPr kumimoji="1" lang="ja-JP" altLang="en-US" dirty="0"/>
+                      <a:endParaRPr kumimoji="1" lang="ja-JP" altLang="en-US" sz="1200" dirty="0">
+                        <a:latin typeface="Noto Sans KR" panose="020B0200000000000000" pitchFamily="50" charset="-127"/>
+                        <a:ea typeface="Noto Sans KR" panose="020B0200000000000000" pitchFamily="50" charset="-127"/>
+                      </a:endParaRPr>
                     </a:p>
                   </a:txBody>
                   <a:tcPr/>
@@ -4649,21 +5491,38 @@
                   </a:ext>
                 </a:extLst>
               </a:tr>
-              <a:tr h="245904">
+              <a:tr h="310715">
                 <a:tc rowSpan="2">
                   <a:txBody>
                     <a:bodyPr/>
                     <a:lstStyle/>
                     <a:p>
-                      <a:r>
-                        <a:rPr kumimoji="1" lang="en-US" altLang="ja-JP" dirty="0"/>
+                      <a:pPr algn="ctr"/>
+                      <a:endParaRPr kumimoji="1" lang="en-US" altLang="ja-JP" sz="1200" b="1" dirty="0">
+                        <a:latin typeface="Noto Sans KR" panose="020B0200000000000000" pitchFamily="50" charset="-127"/>
+                        <a:ea typeface="Noto Sans KR" panose="020B0200000000000000" pitchFamily="50" charset="-127"/>
+                      </a:endParaRPr>
+                    </a:p>
+                    <a:p>
+                      <a:pPr algn="ctr"/>
+                      <a:r>
+                        <a:rPr kumimoji="1" lang="en-US" altLang="ja-JP" sz="1200" b="1" dirty="0">
+                          <a:latin typeface="Noto Sans KR" panose="020B0200000000000000" pitchFamily="50" charset="-127"/>
+                          <a:ea typeface="Noto Sans KR" panose="020B0200000000000000" pitchFamily="50" charset="-127"/>
+                        </a:rPr>
                         <a:t>8</a:t>
                       </a:r>
                       <a:r>
-                        <a:rPr kumimoji="1" lang="ko-KR" altLang="en-US" dirty="0"/>
+                        <a:rPr kumimoji="1" lang="ko-KR" altLang="en-US" sz="1200" b="1" dirty="0">
+                          <a:latin typeface="Noto Sans KR" panose="020B0200000000000000" pitchFamily="50" charset="-127"/>
+                          <a:ea typeface="Noto Sans KR" panose="020B0200000000000000" pitchFamily="50" charset="-127"/>
+                        </a:rPr>
                         <a:t>주</a:t>
                       </a:r>
-                      <a:endParaRPr kumimoji="1" lang="ja-JP" altLang="en-US" dirty="0"/>
+                      <a:endParaRPr kumimoji="1" lang="ja-JP" altLang="en-US" sz="1200" b="1" dirty="0">
+                        <a:latin typeface="Noto Sans KR" panose="020B0200000000000000" pitchFamily="50" charset="-127"/>
+                        <a:ea typeface="Noto Sans KR" panose="020B0200000000000000" pitchFamily="50" charset="-127"/>
+                      </a:endParaRPr>
                     </a:p>
                   </a:txBody>
                   <a:tcPr/>
@@ -4673,11 +5532,18 @@
                     <a:bodyPr/>
                     <a:lstStyle/>
                     <a:p>
-                      <a:r>
-                        <a:rPr kumimoji="1" lang="ko-KR" altLang="en-US" dirty="0"/>
+                      <a:pPr algn="ctr"/>
+                      <a:r>
+                        <a:rPr kumimoji="1" lang="ko-KR" altLang="en-US" sz="1200" dirty="0">
+                          <a:latin typeface="Noto Sans KR" panose="020B0200000000000000" pitchFamily="50" charset="-127"/>
+                          <a:ea typeface="Noto Sans KR" panose="020B0200000000000000" pitchFamily="50" charset="-127"/>
+                        </a:rPr>
                         <a:t>계획</a:t>
                       </a:r>
-                      <a:endParaRPr kumimoji="1" lang="ja-JP" altLang="en-US" dirty="0"/>
+                      <a:endParaRPr kumimoji="1" lang="ja-JP" altLang="en-US" sz="1200" dirty="0">
+                        <a:latin typeface="Noto Sans KR" panose="020B0200000000000000" pitchFamily="50" charset="-127"/>
+                        <a:ea typeface="Noto Sans KR" panose="020B0200000000000000" pitchFamily="50" charset="-127"/>
+                      </a:endParaRPr>
                     </a:p>
                   </a:txBody>
                   <a:tcPr/>
@@ -4687,7 +5553,31 @@
                     <a:bodyPr/>
                     <a:lstStyle/>
                     <a:p>
-                      <a:endParaRPr kumimoji="1" lang="ja-JP" altLang="en-US" dirty="0"/>
+                      <a:r>
+                        <a:rPr kumimoji="1" lang="ko-KR" altLang="en-US" sz="1200" b="1" dirty="0">
+                          <a:latin typeface="Noto Sans KR" panose="020B0200000000000000" pitchFamily="50" charset="-127"/>
+                          <a:ea typeface="Noto Sans KR" panose="020B0200000000000000" pitchFamily="50" charset="-127"/>
+                        </a:rPr>
+                        <a:t>프로젝트 점검 및 </a:t>
+                      </a:r>
+                      <a:r>
+                        <a:rPr kumimoji="1" lang="ko-KR" altLang="en-US" sz="1200" b="1" dirty="0" err="1">
+                          <a:latin typeface="Noto Sans KR" panose="020B0200000000000000" pitchFamily="50" charset="-127"/>
+                          <a:ea typeface="Noto Sans KR" panose="020B0200000000000000" pitchFamily="50" charset="-127"/>
+                        </a:rPr>
+                        <a:t>미구현된</a:t>
+                      </a:r>
+                      <a:r>
+                        <a:rPr kumimoji="1" lang="ko-KR" altLang="en-US" sz="1200" b="1" dirty="0">
+                          <a:latin typeface="Noto Sans KR" panose="020B0200000000000000" pitchFamily="50" charset="-127"/>
+                          <a:ea typeface="Noto Sans KR" panose="020B0200000000000000" pitchFamily="50" charset="-127"/>
+                        </a:rPr>
+                        <a:t> 내용 구현</a:t>
+                      </a:r>
+                      <a:endParaRPr kumimoji="1" lang="ja-JP" altLang="en-US" sz="1200" b="1" dirty="0">
+                        <a:latin typeface="Noto Sans KR" panose="020B0200000000000000" pitchFamily="50" charset="-127"/>
+                        <a:ea typeface="Noto Sans KR" panose="020B0200000000000000" pitchFamily="50" charset="-127"/>
+                      </a:endParaRPr>
                     </a:p>
                   </a:txBody>
                   <a:tcPr/>
@@ -4697,7 +5587,11 @@
                     <a:bodyPr/>
                     <a:lstStyle/>
                     <a:p>
-                      <a:endParaRPr kumimoji="1" lang="ja-JP" altLang="en-US"/>
+                      <a:pPr algn="ctr"/>
+                      <a:endParaRPr kumimoji="1" lang="ja-JP" altLang="en-US" sz="1200" b="1" dirty="0">
+                        <a:latin typeface="Noto Sans KR" panose="020B0200000000000000" pitchFamily="50" charset="-127"/>
+                        <a:ea typeface="Noto Sans KR" panose="020B0200000000000000" pitchFamily="50" charset="-127"/>
+                      </a:endParaRPr>
                     </a:p>
                   </a:txBody>
                   <a:tcPr/>
@@ -4708,7 +5602,7 @@
                   </a:ext>
                 </a:extLst>
               </a:tr>
-              <a:tr h="245904">
+              <a:tr h="310715">
                 <a:tc vMerge="1">
                   <a:txBody>
                     <a:bodyPr/>
@@ -4724,11 +5618,18 @@
                     <a:bodyPr/>
                     <a:lstStyle/>
                     <a:p>
-                      <a:r>
-                        <a:rPr kumimoji="1" lang="ko-KR" altLang="en-US" dirty="0"/>
+                      <a:pPr algn="ctr"/>
+                      <a:r>
+                        <a:rPr kumimoji="1" lang="ko-KR" altLang="en-US" sz="1200" dirty="0">
+                          <a:latin typeface="Noto Sans KR" panose="020B0200000000000000" pitchFamily="50" charset="-127"/>
+                          <a:ea typeface="Noto Sans KR" panose="020B0200000000000000" pitchFamily="50" charset="-127"/>
+                        </a:rPr>
                         <a:t>결과</a:t>
                       </a:r>
-                      <a:endParaRPr kumimoji="1" lang="ja-JP" altLang="en-US" dirty="0"/>
+                      <a:endParaRPr kumimoji="1" lang="ja-JP" altLang="en-US" sz="1200" dirty="0">
+                        <a:latin typeface="Noto Sans KR" panose="020B0200000000000000" pitchFamily="50" charset="-127"/>
+                        <a:ea typeface="Noto Sans KR" panose="020B0200000000000000" pitchFamily="50" charset="-127"/>
+                      </a:endParaRPr>
                     </a:p>
                   </a:txBody>
                   <a:tcPr/>
@@ -4738,7 +5639,10 @@
                     <a:bodyPr/>
                     <a:lstStyle/>
                     <a:p>
-                      <a:endParaRPr kumimoji="1" lang="ja-JP" altLang="en-US" dirty="0"/>
+                      <a:endParaRPr kumimoji="1" lang="ja-JP" altLang="en-US" sz="1200" dirty="0">
+                        <a:latin typeface="Noto Sans KR" panose="020B0200000000000000" pitchFamily="50" charset="-127"/>
+                        <a:ea typeface="Noto Sans KR" panose="020B0200000000000000" pitchFamily="50" charset="-127"/>
+                      </a:endParaRPr>
                     </a:p>
                   </a:txBody>
                   <a:tcPr/>
@@ -4759,21 +5663,38 @@
                   </a:ext>
                 </a:extLst>
               </a:tr>
-              <a:tr h="245904">
+              <a:tr h="310715">
                 <a:tc rowSpan="2">
                   <a:txBody>
                     <a:bodyPr/>
                     <a:lstStyle/>
                     <a:p>
-                      <a:r>
-                        <a:rPr kumimoji="1" lang="en-US" altLang="ja-JP" dirty="0"/>
+                      <a:pPr algn="ctr"/>
+                      <a:endParaRPr kumimoji="1" lang="en-US" altLang="ja-JP" sz="1200" b="1" dirty="0">
+                        <a:latin typeface="Noto Sans KR" panose="020B0200000000000000" pitchFamily="50" charset="-127"/>
+                        <a:ea typeface="Noto Sans KR" panose="020B0200000000000000" pitchFamily="50" charset="-127"/>
+                      </a:endParaRPr>
+                    </a:p>
+                    <a:p>
+                      <a:pPr algn="ctr"/>
+                      <a:r>
+                        <a:rPr kumimoji="1" lang="en-US" altLang="ja-JP" sz="1200" b="1" dirty="0">
+                          <a:latin typeface="Noto Sans KR" panose="020B0200000000000000" pitchFamily="50" charset="-127"/>
+                          <a:ea typeface="Noto Sans KR" panose="020B0200000000000000" pitchFamily="50" charset="-127"/>
+                        </a:rPr>
                         <a:t>9</a:t>
                       </a:r>
                       <a:r>
-                        <a:rPr kumimoji="1" lang="ko-KR" altLang="en-US" dirty="0"/>
+                        <a:rPr kumimoji="1" lang="ko-KR" altLang="en-US" sz="1200" b="1" dirty="0">
+                          <a:latin typeface="Noto Sans KR" panose="020B0200000000000000" pitchFamily="50" charset="-127"/>
+                          <a:ea typeface="Noto Sans KR" panose="020B0200000000000000" pitchFamily="50" charset="-127"/>
+                        </a:rPr>
                         <a:t>주</a:t>
                       </a:r>
-                      <a:endParaRPr kumimoji="1" lang="ja-JP" altLang="en-US" dirty="0"/>
+                      <a:endParaRPr kumimoji="1" lang="ja-JP" altLang="en-US" sz="1200" b="1" dirty="0">
+                        <a:latin typeface="Noto Sans KR" panose="020B0200000000000000" pitchFamily="50" charset="-127"/>
+                        <a:ea typeface="Noto Sans KR" panose="020B0200000000000000" pitchFamily="50" charset="-127"/>
+                      </a:endParaRPr>
                     </a:p>
                   </a:txBody>
                   <a:tcPr/>
@@ -4783,11 +5704,18 @@
                     <a:bodyPr/>
                     <a:lstStyle/>
                     <a:p>
-                      <a:r>
-                        <a:rPr kumimoji="1" lang="ko-KR" altLang="en-US" dirty="0"/>
+                      <a:pPr algn="ctr"/>
+                      <a:r>
+                        <a:rPr kumimoji="1" lang="ko-KR" altLang="en-US" sz="1200" dirty="0">
+                          <a:latin typeface="Noto Sans KR" panose="020B0200000000000000" pitchFamily="50" charset="-127"/>
+                          <a:ea typeface="Noto Sans KR" panose="020B0200000000000000" pitchFamily="50" charset="-127"/>
+                        </a:rPr>
                         <a:t>계획</a:t>
                       </a:r>
-                      <a:endParaRPr kumimoji="1" lang="ja-JP" altLang="en-US" dirty="0"/>
+                      <a:endParaRPr kumimoji="1" lang="ja-JP" altLang="en-US" sz="1200" dirty="0">
+                        <a:latin typeface="Noto Sans KR" panose="020B0200000000000000" pitchFamily="50" charset="-127"/>
+                        <a:ea typeface="Noto Sans KR" panose="020B0200000000000000" pitchFamily="50" charset="-127"/>
+                      </a:endParaRPr>
                     </a:p>
                   </a:txBody>
                   <a:tcPr/>
@@ -4797,7 +5725,17 @@
                     <a:bodyPr/>
                     <a:lstStyle/>
                     <a:p>
-                      <a:endParaRPr kumimoji="1" lang="ja-JP" altLang="en-US" dirty="0"/>
+                      <a:r>
+                        <a:rPr kumimoji="1" lang="ko-KR" altLang="en-US" sz="1200" b="1" dirty="0">
+                          <a:latin typeface="Noto Sans KR" panose="020B0200000000000000" pitchFamily="50" charset="-127"/>
+                          <a:ea typeface="Noto Sans KR" panose="020B0200000000000000" pitchFamily="50" charset="-127"/>
+                        </a:rPr>
+                        <a:t>프로젝트 제출</a:t>
+                      </a:r>
+                      <a:endParaRPr kumimoji="1" lang="ja-JP" altLang="en-US" sz="1200" b="1" dirty="0">
+                        <a:latin typeface="Noto Sans KR" panose="020B0200000000000000" pitchFamily="50" charset="-127"/>
+                        <a:ea typeface="Noto Sans KR" panose="020B0200000000000000" pitchFamily="50" charset="-127"/>
+                      </a:endParaRPr>
                     </a:p>
                   </a:txBody>
                   <a:tcPr/>
@@ -4807,7 +5745,11 @@
                     <a:bodyPr/>
                     <a:lstStyle/>
                     <a:p>
-                      <a:endParaRPr kumimoji="1" lang="ja-JP" altLang="en-US" dirty="0"/>
+                      <a:pPr algn="ctr"/>
+                      <a:endParaRPr kumimoji="1" lang="ja-JP" altLang="en-US" sz="1200" b="1" dirty="0">
+                        <a:latin typeface="Noto Sans KR" panose="020B0200000000000000" pitchFamily="50" charset="-127"/>
+                        <a:ea typeface="Noto Sans KR" panose="020B0200000000000000" pitchFamily="50" charset="-127"/>
+                      </a:endParaRPr>
                     </a:p>
                   </a:txBody>
                   <a:tcPr/>
@@ -4818,7 +5760,7 @@
                   </a:ext>
                 </a:extLst>
               </a:tr>
-              <a:tr h="245904">
+              <a:tr h="310715">
                 <a:tc vMerge="1">
                   <a:txBody>
                     <a:bodyPr/>
@@ -4834,11 +5776,18 @@
                     <a:bodyPr/>
                     <a:lstStyle/>
                     <a:p>
-                      <a:r>
-                        <a:rPr kumimoji="1" lang="ko-KR" altLang="en-US" dirty="0"/>
+                      <a:pPr algn="ctr"/>
+                      <a:r>
+                        <a:rPr kumimoji="1" lang="ko-KR" altLang="en-US" sz="1200" dirty="0">
+                          <a:latin typeface="Noto Sans KR" panose="020B0200000000000000" pitchFamily="50" charset="-127"/>
+                          <a:ea typeface="Noto Sans KR" panose="020B0200000000000000" pitchFamily="50" charset="-127"/>
+                        </a:rPr>
                         <a:t>결과</a:t>
                       </a:r>
-                      <a:endParaRPr kumimoji="1" lang="ja-JP" altLang="en-US" dirty="0"/>
+                      <a:endParaRPr kumimoji="1" lang="ja-JP" altLang="en-US" sz="1200" dirty="0">
+                        <a:latin typeface="Noto Sans KR" panose="020B0200000000000000" pitchFamily="50" charset="-127"/>
+                        <a:ea typeface="Noto Sans KR" panose="020B0200000000000000" pitchFamily="50" charset="-127"/>
+                      </a:endParaRPr>
                     </a:p>
                   </a:txBody>
                   <a:tcPr/>
@@ -4848,7 +5797,10 @@
                     <a:bodyPr/>
                     <a:lstStyle/>
                     <a:p>
-                      <a:endParaRPr kumimoji="1" lang="ja-JP" altLang="en-US" dirty="0"/>
+                      <a:endParaRPr kumimoji="1" lang="ja-JP" altLang="en-US" sz="1200" dirty="0">
+                        <a:latin typeface="Noto Sans KR" panose="020B0200000000000000" pitchFamily="50" charset="-127"/>
+                        <a:ea typeface="Noto Sans KR" panose="020B0200000000000000" pitchFamily="50" charset="-127"/>
+                      </a:endParaRPr>
                     </a:p>
                   </a:txBody>
                   <a:tcPr/>
@@ -4877,6 +5829,157 @@
     <p:extLst>
       <p:ext uri="{BB962C8B-B14F-4D97-AF65-F5344CB8AC3E}">
         <p14:creationId xmlns:p14="http://schemas.microsoft.com/office/powerpoint/2010/main" val="2509623858"/>
+      </p:ext>
+    </p:extLst>
+  </p:cSld>
+  <p:clrMapOvr>
+    <a:masterClrMapping/>
+  </p:clrMapOvr>
+</p:sld>
+</file>
+
+<file path=ppt/slides/slide3.xml><?xml version="1.0" encoding="utf-8"?>
+<p:sld xmlns:a="http://schemas.openxmlformats.org/drawingml/2006/main" xmlns:r="http://schemas.openxmlformats.org/officeDocument/2006/relationships" xmlns:p="http://schemas.openxmlformats.org/presentationml/2006/main">
+  <p:cSld>
+    <p:spTree>
+      <p:nvGrpSpPr>
+        <p:cNvPr id="1" name=""/>
+        <p:cNvGrpSpPr/>
+        <p:nvPr/>
+      </p:nvGrpSpPr>
+      <p:grpSpPr>
+        <a:xfrm>
+          <a:off x="0" y="0"/>
+          <a:ext cx="0" cy="0"/>
+          <a:chOff x="0" y="0"/>
+          <a:chExt cx="0" cy="0"/>
+        </a:xfrm>
+      </p:grpSpPr>
+      <p:sp>
+        <p:nvSpPr>
+          <p:cNvPr id="2" name="제목 1">
+            <a:extLst>
+              <a:ext uri="{FF2B5EF4-FFF2-40B4-BE49-F238E27FC236}">
+                <a16:creationId xmlns:a16="http://schemas.microsoft.com/office/drawing/2014/main" id="{1455A8D0-4C8C-B276-21BA-BA339D0329DE}"/>
+              </a:ext>
+            </a:extLst>
+          </p:cNvPr>
+          <p:cNvSpPr>
+            <a:spLocks noGrp="1"/>
+          </p:cNvSpPr>
+          <p:nvPr>
+            <p:ph type="title"/>
+          </p:nvPr>
+        </p:nvSpPr>
+        <p:spPr>
+          <a:xfrm>
+            <a:off x="838200" y="209560"/>
+            <a:ext cx="6941234" cy="662637"/>
+          </a:xfrm>
+        </p:spPr>
+        <p:txBody>
+          <a:bodyPr>
+            <a:normAutofit/>
+          </a:bodyPr>
+          <a:lstStyle/>
+          <a:p>
+            <a:r>
+              <a:rPr lang="en-US" altLang="ko-KR" sz="1400" b="1" dirty="0" err="1">
+                <a:latin typeface="Noto Sans KR" panose="020B0200000000000000" pitchFamily="50" charset="-127"/>
+                <a:ea typeface="Noto Sans KR" panose="020B0200000000000000" pitchFamily="50" charset="-127"/>
+              </a:rPr>
+              <a:t>Github</a:t>
+            </a:r>
+            <a:r>
+              <a:rPr lang="en-US" altLang="ko-KR" sz="1400" b="1" dirty="0">
+                <a:latin typeface="Noto Sans KR" panose="020B0200000000000000" pitchFamily="50" charset="-127"/>
+                <a:ea typeface="Noto Sans KR" panose="020B0200000000000000" pitchFamily="50" charset="-127"/>
+              </a:rPr>
+              <a:t> Commits </a:t>
+            </a:r>
+            <a:r>
+              <a:rPr lang="ko-KR" altLang="en-US" sz="1400" b="1" dirty="0">
+                <a:latin typeface="Noto Sans KR" panose="020B0200000000000000" pitchFamily="50" charset="-127"/>
+                <a:ea typeface="Noto Sans KR" panose="020B0200000000000000" pitchFamily="50" charset="-127"/>
+              </a:rPr>
+              <a:t>통계 페이지 </a:t>
+            </a:r>
+            <a:r>
+              <a:rPr lang="en-US" altLang="ko-KR" sz="1400" b="1" dirty="0">
+                <a:latin typeface="Noto Sans KR" panose="020B0200000000000000" pitchFamily="50" charset="-127"/>
+                <a:ea typeface="Noto Sans KR" panose="020B0200000000000000" pitchFamily="50" charset="-127"/>
+              </a:rPr>
+              <a:t>(11</a:t>
+            </a:r>
+            <a:r>
+              <a:rPr lang="ko-KR" altLang="en-US" sz="1400" b="1" dirty="0">
+                <a:latin typeface="Noto Sans KR" panose="020B0200000000000000" pitchFamily="50" charset="-127"/>
+                <a:ea typeface="Noto Sans KR" panose="020B0200000000000000" pitchFamily="50" charset="-127"/>
+              </a:rPr>
+              <a:t>월 </a:t>
+            </a:r>
+            <a:r>
+              <a:rPr lang="en-US" altLang="ko-KR" sz="1400" b="1" dirty="0">
+                <a:latin typeface="Noto Sans KR" panose="020B0200000000000000" pitchFamily="50" charset="-127"/>
+                <a:ea typeface="Noto Sans KR" panose="020B0200000000000000" pitchFamily="50" charset="-127"/>
+              </a:rPr>
+              <a:t>10</a:t>
+            </a:r>
+            <a:r>
+              <a:rPr lang="ko-KR" altLang="en-US" sz="1400" b="1" dirty="0">
+                <a:latin typeface="Noto Sans KR" panose="020B0200000000000000" pitchFamily="50" charset="-127"/>
+                <a:ea typeface="Noto Sans KR" panose="020B0200000000000000" pitchFamily="50" charset="-127"/>
+              </a:rPr>
+              <a:t>일 기준</a:t>
+            </a:r>
+            <a:r>
+              <a:rPr lang="en-US" altLang="ko-KR" sz="1400" b="1" dirty="0">
+                <a:latin typeface="Noto Sans KR" panose="020B0200000000000000" pitchFamily="50" charset="-127"/>
+                <a:ea typeface="Noto Sans KR" panose="020B0200000000000000" pitchFamily="50" charset="-127"/>
+              </a:rPr>
+              <a:t>)</a:t>
+            </a:r>
+            <a:endParaRPr lang="ko-KR" altLang="en-US" sz="1400" b="1" dirty="0">
+              <a:latin typeface="Noto Sans KR" panose="020B0200000000000000" pitchFamily="50" charset="-127"/>
+              <a:ea typeface="Noto Sans KR" panose="020B0200000000000000" pitchFamily="50" charset="-127"/>
+            </a:endParaRPr>
+          </a:p>
+        </p:txBody>
+      </p:sp>
+      <p:pic>
+        <p:nvPicPr>
+          <p:cNvPr id="5" name="그림 4">
+            <a:extLst>
+              <a:ext uri="{FF2B5EF4-FFF2-40B4-BE49-F238E27FC236}">
+                <a16:creationId xmlns:a16="http://schemas.microsoft.com/office/drawing/2014/main" id="{51D755A7-5640-00A1-A9EA-2840262C3DB0}"/>
+              </a:ext>
+            </a:extLst>
+          </p:cNvPr>
+          <p:cNvPicPr>
+            <a:picLocks noChangeAspect="1"/>
+          </p:cNvPicPr>
+          <p:nvPr/>
+        </p:nvPicPr>
+        <p:blipFill>
+          <a:blip r:embed="rId2"/>
+          <a:stretch>
+            <a:fillRect/>
+          </a:stretch>
+        </p:blipFill>
+        <p:spPr>
+          <a:xfrm>
+            <a:off x="838200" y="872197"/>
+            <a:ext cx="10515600" cy="5620534"/>
+          </a:xfrm>
+          <a:prstGeom prst="rect">
+            <a:avLst/>
+          </a:prstGeom>
+        </p:spPr>
+      </p:pic>
+    </p:spTree>
+    <p:extLst>
+      <p:ext uri="{BB962C8B-B14F-4D97-AF65-F5344CB8AC3E}">
+        <p14:creationId xmlns:p14="http://schemas.microsoft.com/office/powerpoint/2010/main" val="3840065636"/>
       </p:ext>
     </p:extLst>
   </p:cSld>
